--- a/Presentation/2_Revit_UI_API.pptx
+++ b/Presentation/2_Revit_UI_API.pptx
@@ -2,49 +2,48 @@
 <file path=ppt/presentation.xml><?xml version="1.0" encoding="utf-8"?>
 <p:presentation xmlns:a="http://schemas.openxmlformats.org/drawingml/2006/main" xmlns:r="http://schemas.openxmlformats.org/officeDocument/2006/relationships" xmlns:p="http://schemas.openxmlformats.org/presentationml/2006/main" removePersonalInfoOnSave="1" saveSubsetFonts="1">
   <p:sldMasterIdLst>
-    <p:sldMasterId id="2147483682" r:id="rId4"/>
-    <p:sldMasterId id="2147483687" r:id="rId5"/>
+    <p:sldMasterId id="2147483693" r:id="rId4"/>
   </p:sldMasterIdLst>
   <p:notesMasterIdLst>
-    <p:notesMasterId r:id="rId39"/>
+    <p:notesMasterId r:id="rId38"/>
   </p:notesMasterIdLst>
   <p:handoutMasterIdLst>
-    <p:handoutMasterId r:id="rId40"/>
+    <p:handoutMasterId r:id="rId39"/>
   </p:handoutMasterIdLst>
   <p:sldIdLst>
-    <p:sldId id="314" r:id="rId6"/>
-    <p:sldId id="361" r:id="rId7"/>
-    <p:sldId id="352" r:id="rId8"/>
-    <p:sldId id="330" r:id="rId9"/>
-    <p:sldId id="331" r:id="rId10"/>
-    <p:sldId id="332" r:id="rId11"/>
-    <p:sldId id="334" r:id="rId12"/>
-    <p:sldId id="343" r:id="rId13"/>
-    <p:sldId id="346" r:id="rId14"/>
-    <p:sldId id="339" r:id="rId15"/>
-    <p:sldId id="340" r:id="rId16"/>
-    <p:sldId id="341" r:id="rId17"/>
-    <p:sldId id="344" r:id="rId18"/>
-    <p:sldId id="350" r:id="rId19"/>
-    <p:sldId id="347" r:id="rId20"/>
-    <p:sldId id="317" r:id="rId21"/>
-    <p:sldId id="320" r:id="rId22"/>
-    <p:sldId id="319" r:id="rId23"/>
-    <p:sldId id="349" r:id="rId24"/>
-    <p:sldId id="348" r:id="rId25"/>
-    <p:sldId id="323" r:id="rId26"/>
-    <p:sldId id="325" r:id="rId27"/>
-    <p:sldId id="351" r:id="rId28"/>
-    <p:sldId id="327" r:id="rId29"/>
-    <p:sldId id="322" r:id="rId30"/>
-    <p:sldId id="335" r:id="rId31"/>
-    <p:sldId id="336" r:id="rId32"/>
-    <p:sldId id="337" r:id="rId33"/>
-    <p:sldId id="357" r:id="rId34"/>
-    <p:sldId id="360" r:id="rId35"/>
-    <p:sldId id="356" r:id="rId36"/>
-    <p:sldId id="354" r:id="rId37"/>
-    <p:sldId id="355" r:id="rId38"/>
+    <p:sldId id="314" r:id="rId5"/>
+    <p:sldId id="361" r:id="rId6"/>
+    <p:sldId id="352" r:id="rId7"/>
+    <p:sldId id="330" r:id="rId8"/>
+    <p:sldId id="331" r:id="rId9"/>
+    <p:sldId id="332" r:id="rId10"/>
+    <p:sldId id="334" r:id="rId11"/>
+    <p:sldId id="343" r:id="rId12"/>
+    <p:sldId id="346" r:id="rId13"/>
+    <p:sldId id="339" r:id="rId14"/>
+    <p:sldId id="340" r:id="rId15"/>
+    <p:sldId id="341" r:id="rId16"/>
+    <p:sldId id="344" r:id="rId17"/>
+    <p:sldId id="350" r:id="rId18"/>
+    <p:sldId id="347" r:id="rId19"/>
+    <p:sldId id="317" r:id="rId20"/>
+    <p:sldId id="320" r:id="rId21"/>
+    <p:sldId id="319" r:id="rId22"/>
+    <p:sldId id="349" r:id="rId23"/>
+    <p:sldId id="348" r:id="rId24"/>
+    <p:sldId id="323" r:id="rId25"/>
+    <p:sldId id="325" r:id="rId26"/>
+    <p:sldId id="351" r:id="rId27"/>
+    <p:sldId id="327" r:id="rId28"/>
+    <p:sldId id="322" r:id="rId29"/>
+    <p:sldId id="335" r:id="rId30"/>
+    <p:sldId id="336" r:id="rId31"/>
+    <p:sldId id="337" r:id="rId32"/>
+    <p:sldId id="357" r:id="rId33"/>
+    <p:sldId id="360" r:id="rId34"/>
+    <p:sldId id="356" r:id="rId35"/>
+    <p:sldId id="354" r:id="rId36"/>
+    <p:sldId id="362" r:id="rId37"/>
   </p:sldIdLst>
   <p:sldSz cx="13011150" cy="9756775"/>
   <p:notesSz cx="7019925" cy="9305925"/>
@@ -287,7 +286,7 @@
               <a:pPr>
                 <a:defRPr/>
               </a:pPr>
-              <a:t>6/10/2013</a:t>
+              <a:t>4/22/2014</a:t>
             </a:fld>
             <a:endParaRPr lang="en-US"/>
           </a:p>
@@ -510,7 +509,7 @@
               <a:pPr>
                 <a:defRPr/>
               </a:pPr>
-              <a:t>6/10/2013</a:t>
+              <a:t>4/22/2014</a:t>
             </a:fld>
             <a:endParaRPr lang="en-US"/>
           </a:p>
@@ -5124,107 +5123,6 @@
 </p:notes>
 </file>
 
-<file path=ppt/notesSlides/notesSlide33.xml><?xml version="1.0" encoding="utf-8"?>
-<p:notes xmlns:a="http://schemas.openxmlformats.org/drawingml/2006/main" xmlns:r="http://schemas.openxmlformats.org/officeDocument/2006/relationships" xmlns:p="http://schemas.openxmlformats.org/presentationml/2006/main">
-  <p:cSld>
-    <p:spTree>
-      <p:nvGrpSpPr>
-        <p:cNvPr id="1" name=""/>
-        <p:cNvGrpSpPr/>
-        <p:nvPr/>
-      </p:nvGrpSpPr>
-      <p:grpSpPr>
-        <a:xfrm>
-          <a:off x="0" y="0"/>
-          <a:ext cx="0" cy="0"/>
-          <a:chOff x="0" y="0"/>
-          <a:chExt cx="0" cy="0"/>
-        </a:xfrm>
-      </p:grpSpPr>
-      <p:sp>
-        <p:nvSpPr>
-          <p:cNvPr id="295938" name="Rectangle 7"/>
-          <p:cNvSpPr>
-            <a:spLocks noGrp="1" noChangeArrowheads="1"/>
-          </p:cNvSpPr>
-          <p:nvPr>
-            <p:ph type="sldNum" sz="quarter" idx="5"/>
-          </p:nvPr>
-        </p:nvSpPr>
-        <p:spPr>
-          <a:noFill/>
-        </p:spPr>
-        <p:txBody>
-          <a:bodyPr/>
-          <a:lstStyle/>
-          <a:p>
-            <a:fld id="{C03DB88A-727D-43F2-8BD7-42ABC2F987CC}" type="slidenum">
-              <a:rPr lang="en-US" smtClean="0"/>
-              <a:pPr/>
-              <a:t>33</a:t>
-            </a:fld>
-            <a:endParaRPr lang="en-US" smtClean="0"/>
-          </a:p>
-        </p:txBody>
-      </p:sp>
-      <p:sp>
-        <p:nvSpPr>
-          <p:cNvPr id="295939" name="Rectangle 2"/>
-          <p:cNvSpPr>
-            <a:spLocks noGrp="1" noRot="1" noChangeAspect="1" noChangeArrowheads="1" noTextEdit="1"/>
-          </p:cNvSpPr>
-          <p:nvPr>
-            <p:ph type="sldImg"/>
-          </p:nvPr>
-        </p:nvSpPr>
-        <p:spPr>
-          <a:xfrm>
-            <a:off x="1741488" y="698500"/>
-            <a:ext cx="3632200" cy="2724150"/>
-          </a:xfrm>
-          <a:solidFill>
-            <a:srgbClr val="FFFFFF"/>
-          </a:solidFill>
-          <a:ln/>
-        </p:spPr>
-      </p:sp>
-      <p:sp>
-        <p:nvSpPr>
-          <p:cNvPr id="295940" name="Rectangle 3"/>
-          <p:cNvSpPr>
-            <a:spLocks noGrp="1" noChangeArrowheads="1"/>
-          </p:cNvSpPr>
-          <p:nvPr>
-            <p:ph type="body" idx="1"/>
-          </p:nvPr>
-        </p:nvSpPr>
-        <p:spPr>
-          <a:solidFill>
-            <a:srgbClr val="FFFFFF"/>
-          </a:solidFill>
-          <a:ln>
-            <a:solidFill>
-              <a:srgbClr val="000000"/>
-            </a:solidFill>
-          </a:ln>
-        </p:spPr>
-        <p:txBody>
-          <a:bodyPr/>
-          <a:lstStyle/>
-          <a:p>
-            <a:pPr eaLnBrk="1" hangingPunct="1"/>
-            <a:endParaRPr lang="en-GB" smtClean="0"/>
-          </a:p>
-        </p:txBody>
-      </p:sp>
-    </p:spTree>
-  </p:cSld>
-  <p:clrMapOvr>
-    <a:masterClrMapping/>
-  </p:clrMapOvr>
-</p:notes>
-</file>
-
 <file path=ppt/notesSlides/notesSlide4.xml><?xml version="1.0" encoding="utf-8"?>
 <p:notes xmlns:a="http://schemas.openxmlformats.org/drawingml/2006/main" xmlns:r="http://schemas.openxmlformats.org/officeDocument/2006/relationships" xmlns:p="http://schemas.openxmlformats.org/presentationml/2006/main">
   <p:cSld>
@@ -7388,7 +7286,477 @@
 </file>
 
 <file path=ppt/slideLayouts/slideLayout1.xml><?xml version="1.0" encoding="utf-8"?>
+<p:sldLayout xmlns:a="http://schemas.openxmlformats.org/drawingml/2006/main" xmlns:r="http://schemas.openxmlformats.org/officeDocument/2006/relationships" xmlns:p="http://schemas.openxmlformats.org/presentationml/2006/main" type="obj" preserve="1">
+  <p:cSld name="Title and Content">
+    <p:spTree>
+      <p:nvGrpSpPr>
+        <p:cNvPr id="1" name=""/>
+        <p:cNvGrpSpPr/>
+        <p:nvPr/>
+      </p:nvGrpSpPr>
+      <p:grpSpPr>
+        <a:xfrm>
+          <a:off x="0" y="0"/>
+          <a:ext cx="0" cy="0"/>
+          <a:chOff x="0" y="0"/>
+          <a:chExt cx="0" cy="0"/>
+        </a:xfrm>
+      </p:grpSpPr>
+      <p:sp>
+        <p:nvSpPr>
+          <p:cNvPr id="2" name="Title 1"/>
+          <p:cNvSpPr>
+            <a:spLocks noGrp="1"/>
+          </p:cNvSpPr>
+          <p:nvPr>
+            <p:ph type="title"/>
+          </p:nvPr>
+        </p:nvSpPr>
+        <p:spPr/>
+        <p:txBody>
+          <a:bodyPr/>
+          <a:lstStyle>
+            <a:lvl1pPr>
+              <a:defRPr/>
+            </a:lvl1pPr>
+          </a:lstStyle>
+          <a:p>
+            <a:r>
+              <a:rPr lang="en-US" smtClean="0"/>
+              <a:t>Click to edit Master title style</a:t>
+            </a:r>
+            <a:endParaRPr lang="en-US" dirty="0"/>
+          </a:p>
+        </p:txBody>
+      </p:sp>
+      <p:sp>
+        <p:nvSpPr>
+          <p:cNvPr id="3" name="Content Placeholder 2"/>
+          <p:cNvSpPr>
+            <a:spLocks noGrp="1"/>
+          </p:cNvSpPr>
+          <p:nvPr>
+            <p:ph idx="1"/>
+          </p:nvPr>
+        </p:nvSpPr>
+        <p:spPr/>
+        <p:txBody>
+          <a:bodyPr/>
+          <a:lstStyle>
+            <a:lvl1pPr>
+              <a:buNone/>
+              <a:defRPr sz="3200"/>
+            </a:lvl1pPr>
+            <a:lvl2pPr>
+              <a:spcBef>
+                <a:spcPts val="0"/>
+              </a:spcBef>
+              <a:defRPr/>
+            </a:lvl2pPr>
+            <a:lvl3pPr>
+              <a:spcBef>
+                <a:spcPts val="0"/>
+              </a:spcBef>
+              <a:defRPr/>
+            </a:lvl3pPr>
+            <a:lvl4pPr>
+              <a:spcBef>
+                <a:spcPts val="0"/>
+              </a:spcBef>
+              <a:defRPr/>
+            </a:lvl4pPr>
+            <a:lvl5pPr>
+              <a:spcBef>
+                <a:spcPts val="0"/>
+              </a:spcBef>
+              <a:defRPr/>
+            </a:lvl5pPr>
+          </a:lstStyle>
+          <a:p>
+            <a:pPr lvl="0"/>
+            <a:r>
+              <a:rPr lang="en-US" smtClean="0"/>
+              <a:t>Click to edit Master text styles</a:t>
+            </a:r>
+          </a:p>
+          <a:p>
+            <a:pPr lvl="1"/>
+            <a:r>
+              <a:rPr lang="en-US" smtClean="0"/>
+              <a:t>Second level</a:t>
+            </a:r>
+          </a:p>
+          <a:p>
+            <a:pPr lvl="2"/>
+            <a:r>
+              <a:rPr lang="en-US" smtClean="0"/>
+              <a:t>Third level</a:t>
+            </a:r>
+          </a:p>
+          <a:p>
+            <a:pPr lvl="3"/>
+            <a:r>
+              <a:rPr lang="en-US" smtClean="0"/>
+              <a:t>Fourth level</a:t>
+            </a:r>
+          </a:p>
+          <a:p>
+            <a:pPr lvl="4"/>
+            <a:r>
+              <a:rPr lang="en-US" smtClean="0"/>
+              <a:t>Fifth level</a:t>
+            </a:r>
+            <a:endParaRPr lang="en-US" dirty="0"/>
+          </a:p>
+        </p:txBody>
+      </p:sp>
+      <p:sp>
+        <p:nvSpPr>
+          <p:cNvPr id="4" name="Rectangle 3"/>
+          <p:cNvSpPr/>
+          <p:nvPr userDrawn="1"/>
+        </p:nvSpPr>
+        <p:spPr>
+          <a:xfrm>
+            <a:off x="0" y="9355137"/>
+            <a:ext cx="13011150" cy="400050"/>
+          </a:xfrm>
+          <a:prstGeom prst="rect">
+            <a:avLst/>
+          </a:prstGeom>
+          <a:solidFill>
+            <a:schemeClr val="bg1"/>
+          </a:solidFill>
+          <a:ln>
+            <a:noFill/>
+          </a:ln>
+        </p:spPr>
+        <p:style>
+          <a:lnRef idx="1">
+            <a:schemeClr val="accent1"/>
+          </a:lnRef>
+          <a:fillRef idx="3">
+            <a:schemeClr val="accent1"/>
+          </a:fillRef>
+          <a:effectRef idx="2">
+            <a:schemeClr val="accent1"/>
+          </a:effectRef>
+          <a:fontRef idx="minor">
+            <a:schemeClr val="lt1"/>
+          </a:fontRef>
+        </p:style>
+        <p:txBody>
+          <a:bodyPr lIns="57594" tIns="28797" rIns="57594" bIns="28797" rtlCol="0" anchor="ctr"/>
+          <a:lstStyle/>
+          <a:p>
+            <a:pPr algn="ctr"/>
+            <a:endParaRPr lang="en-US"/>
+          </a:p>
+        </p:txBody>
+      </p:sp>
+      <p:sp>
+        <p:nvSpPr>
+          <p:cNvPr id="5" name="TextBox 4"/>
+          <p:cNvSpPr txBox="1"/>
+          <p:nvPr userDrawn="1"/>
+        </p:nvSpPr>
+        <p:spPr>
+          <a:xfrm>
+            <a:off x="180975" y="9512414"/>
+            <a:ext cx="1558815" cy="138499"/>
+          </a:xfrm>
+          <a:prstGeom prst="rect">
+            <a:avLst/>
+          </a:prstGeom>
+          <a:noFill/>
+        </p:spPr>
+        <p:txBody>
+          <a:bodyPr wrap="square" lIns="0" tIns="0" rIns="0" bIns="0" rtlCol="0">
+            <a:spAutoFit/>
+          </a:bodyPr>
+          <a:lstStyle/>
+          <a:p>
+            <a:r>
+              <a:rPr lang="en-US" sz="900" b="0" i="0" dirty="0" smtClean="0">
+                <a:solidFill>
+                  <a:schemeClr val="tx1">
+                    <a:lumMod val="65000"/>
+                    <a:lumOff val="35000"/>
+                  </a:schemeClr>
+                </a:solidFill>
+                <a:latin typeface="Frutiger Next LT W1G"/>
+                <a:cs typeface="Frutiger Next LT W1G"/>
+              </a:rPr>
+              <a:t>© </a:t>
+            </a:r>
+            <a:r>
+              <a:rPr lang="en-US" sz="900" b="0" i="0" dirty="0" smtClean="0">
+                <a:solidFill>
+                  <a:schemeClr val="tx1">
+                    <a:lumMod val="65000"/>
+                    <a:lumOff val="35000"/>
+                  </a:schemeClr>
+                </a:solidFill>
+                <a:latin typeface="Frutiger Next LT W1G"/>
+                <a:cs typeface="Frutiger Next LT W1G"/>
+              </a:rPr>
+              <a:t>2014 </a:t>
+            </a:r>
+            <a:r>
+              <a:rPr lang="en-US" sz="900" b="0" i="0" dirty="0" smtClean="0">
+                <a:solidFill>
+                  <a:schemeClr val="tx1">
+                    <a:lumMod val="65000"/>
+                    <a:lumOff val="35000"/>
+                  </a:schemeClr>
+                </a:solidFill>
+                <a:latin typeface="Frutiger Next LT W1G"/>
+                <a:cs typeface="Frutiger Next LT W1G"/>
+              </a:rPr>
+              <a:t>Autodesk</a:t>
+            </a:r>
+            <a:endParaRPr lang="en-US" sz="900" b="0" i="0" dirty="0">
+              <a:solidFill>
+                <a:schemeClr val="tx1">
+                  <a:lumMod val="65000"/>
+                  <a:lumOff val="35000"/>
+                </a:schemeClr>
+              </a:solidFill>
+              <a:latin typeface="Frutiger Next LT W1G"/>
+              <a:cs typeface="Frutiger Next LT W1G"/>
+            </a:endParaRPr>
+          </a:p>
+        </p:txBody>
+      </p:sp>
+      <p:pic>
+        <p:nvPicPr>
+          <p:cNvPr id="6" name="Picture 5" descr="autodesk-logo-rgb-color-logo-black-text-large.png"/>
+          <p:cNvPicPr>
+            <a:picLocks noChangeAspect="1"/>
+          </p:cNvPicPr>
+          <p:nvPr userDrawn="1"/>
+        </p:nvPicPr>
+        <p:blipFill>
+          <a:blip r:embed="rId2" cstate="screen">
+            <a:extLst>
+              <a:ext uri="{28A0092B-C50C-407E-A947-70E740481C1C}">
+                <a14:useLocalDpi xmlns:a14="http://schemas.microsoft.com/office/drawing/2010/main"/>
+              </a:ext>
+            </a:extLst>
+          </a:blip>
+          <a:stretch>
+            <a:fillRect/>
+          </a:stretch>
+        </p:blipFill>
+        <p:spPr>
+          <a:xfrm>
+            <a:off x="11861374" y="9489044"/>
+            <a:ext cx="1105051" cy="185240"/>
+          </a:xfrm>
+          <a:prstGeom prst="rect">
+            <a:avLst/>
+          </a:prstGeom>
+        </p:spPr>
+      </p:pic>
+    </p:spTree>
+    <p:extLst>
+      <p:ext uri="{BB962C8B-B14F-4D97-AF65-F5344CB8AC3E}">
+        <p14:creationId xmlns:p14="http://schemas.microsoft.com/office/powerpoint/2010/main" val="358812343"/>
+      </p:ext>
+    </p:extLst>
+  </p:cSld>
+  <p:clrMapOvr>
+    <a:masterClrMapping/>
+  </p:clrMapOvr>
+  <p:transition/>
+  <p:timing>
+    <p:tnLst>
+      <p:par>
+        <p:cTn id="1" dur="indefinite" restart="never" nodeType="tmRoot"/>
+      </p:par>
+    </p:tnLst>
+  </p:timing>
+</p:sldLayout>
+</file>
+
+<file path=ppt/slideLayouts/slideLayout2.xml><?xml version="1.0" encoding="utf-8"?>
 <p:sldLayout xmlns:a="http://schemas.openxmlformats.org/drawingml/2006/main" xmlns:r="http://schemas.openxmlformats.org/officeDocument/2006/relationships" xmlns:p="http://schemas.openxmlformats.org/presentationml/2006/main" preserve="1">
+  <p:cSld name="1_Custom Layout">
+    <p:spTree>
+      <p:nvGrpSpPr>
+        <p:cNvPr id="1" name=""/>
+        <p:cNvGrpSpPr/>
+        <p:nvPr/>
+      </p:nvGrpSpPr>
+      <p:grpSpPr>
+        <a:xfrm>
+          <a:off x="0" y="0"/>
+          <a:ext cx="0" cy="0"/>
+          <a:chOff x="0" y="0"/>
+          <a:chExt cx="0" cy="0"/>
+        </a:xfrm>
+      </p:grpSpPr>
+      <p:sp>
+        <p:nvSpPr>
+          <p:cNvPr id="4" name="TextBox 3"/>
+          <p:cNvSpPr txBox="1"/>
+          <p:nvPr/>
+        </p:nvSpPr>
+        <p:spPr>
+          <a:xfrm>
+            <a:off x="314409" y="8588916"/>
+            <a:ext cx="12483151" cy="1000274"/>
+          </a:xfrm>
+          <a:prstGeom prst="rect">
+            <a:avLst/>
+          </a:prstGeom>
+          <a:noFill/>
+        </p:spPr>
+        <p:txBody>
+          <a:bodyPr wrap="square" lIns="0" tIns="0" rIns="0" bIns="0" rtlCol="0">
+            <a:spAutoFit/>
+          </a:bodyPr>
+          <a:lstStyle/>
+          <a:p>
+            <a:r>
+              <a:rPr lang="en-US" sz="1300" b="0" i="0" dirty="0" smtClean="0">
+                <a:solidFill>
+                  <a:schemeClr val="bg1">
+                    <a:lumMod val="65000"/>
+                  </a:schemeClr>
+                </a:solidFill>
+                <a:latin typeface="Frutiger Next LT W1G"/>
+                <a:cs typeface="Frutiger Next LT W1G"/>
+              </a:rPr>
+              <a:t>Autodesk is a registered trademark of Autodesk, Inc., and/or its subsidiaries and/or affiliates in the USA and/or other countries. All other brand names, product names, or trademarks belong to their respective holders. Autodesk reserves the right to alter product and services offerings, and specifications and pricing at any time without notice, and is not responsible for typographical or graphical errors that may appear in this document.</a:t>
+            </a:r>
+          </a:p>
+          <a:p>
+            <a:endParaRPr lang="en-US" sz="1300" b="0" i="0" dirty="0" smtClean="0">
+              <a:solidFill>
+                <a:schemeClr val="bg1">
+                  <a:lumMod val="65000"/>
+                </a:schemeClr>
+              </a:solidFill>
+              <a:latin typeface="Frutiger Next LT W1G"/>
+              <a:cs typeface="Frutiger Next LT W1G"/>
+            </a:endParaRPr>
+          </a:p>
+          <a:p>
+            <a:r>
+              <a:rPr lang="en-US" sz="1300" b="0" i="0" dirty="0" smtClean="0">
+                <a:solidFill>
+                  <a:schemeClr val="bg1">
+                    <a:lumMod val="65000"/>
+                  </a:schemeClr>
+                </a:solidFill>
+                <a:latin typeface="Frutiger Next LT W1G"/>
+                <a:cs typeface="Frutiger Next LT W1G"/>
+              </a:rPr>
+              <a:t>© </a:t>
+            </a:r>
+            <a:r>
+              <a:rPr lang="en-US" sz="1300" b="0" i="0" dirty="0" smtClean="0">
+                <a:solidFill>
+                  <a:schemeClr val="bg1">
+                    <a:lumMod val="65000"/>
+                  </a:schemeClr>
+                </a:solidFill>
+                <a:latin typeface="Frutiger Next LT W1G"/>
+                <a:cs typeface="Frutiger Next LT W1G"/>
+              </a:rPr>
+              <a:t>2014 </a:t>
+            </a:r>
+            <a:r>
+              <a:rPr lang="en-US" sz="1300" b="0" i="0" dirty="0" smtClean="0">
+                <a:solidFill>
+                  <a:schemeClr val="bg1">
+                    <a:lumMod val="65000"/>
+                  </a:schemeClr>
+                </a:solidFill>
+                <a:latin typeface="Frutiger Next LT W1G"/>
+                <a:cs typeface="Frutiger Next LT W1G"/>
+              </a:rPr>
+              <a:t>Autodesk, Inc. All right</a:t>
+            </a:r>
+            <a:r>
+              <a:rPr lang="en-US" sz="1300" b="0" i="0" baseline="0" dirty="0" smtClean="0">
+                <a:solidFill>
+                  <a:schemeClr val="bg1">
+                    <a:lumMod val="65000"/>
+                  </a:schemeClr>
+                </a:solidFill>
+                <a:latin typeface="Frutiger Next LT W1G"/>
+                <a:cs typeface="Frutiger Next LT W1G"/>
+              </a:rPr>
+              <a:t>s reserved.</a:t>
+            </a:r>
+            <a:endParaRPr lang="en-US" sz="1300" b="0" i="0" dirty="0">
+              <a:solidFill>
+                <a:schemeClr val="bg1">
+                  <a:lumMod val="65000"/>
+                </a:schemeClr>
+              </a:solidFill>
+              <a:latin typeface="Frutiger Next LT W1G"/>
+              <a:cs typeface="Frutiger Next LT W1G"/>
+            </a:endParaRPr>
+          </a:p>
+        </p:txBody>
+      </p:sp>
+      <p:pic>
+        <p:nvPicPr>
+          <p:cNvPr id="6" name="Picture 5" descr="autodesk-logo-rgb-color-logo-black-text-large.png"/>
+          <p:cNvPicPr>
+            <a:picLocks noChangeAspect="1"/>
+          </p:cNvPicPr>
+          <p:nvPr/>
+        </p:nvPicPr>
+        <p:blipFill>
+          <a:blip r:embed="rId2">
+            <a:extLst>
+              <a:ext uri="{28A0092B-C50C-407E-A947-70E740481C1C}">
+                <a14:useLocalDpi xmlns:a14="http://schemas.microsoft.com/office/drawing/2010/main"/>
+              </a:ext>
+            </a:extLst>
+          </a:blip>
+          <a:stretch>
+            <a:fillRect/>
+          </a:stretch>
+        </p:blipFill>
+        <p:spPr>
+          <a:xfrm>
+            <a:off x="2103942" y="3942871"/>
+            <a:ext cx="8791832" cy="1473535"/>
+          </a:xfrm>
+          <a:prstGeom prst="rect">
+            <a:avLst/>
+          </a:prstGeom>
+        </p:spPr>
+      </p:pic>
+    </p:spTree>
+    <p:extLst>
+      <p:ext uri="{BB962C8B-B14F-4D97-AF65-F5344CB8AC3E}">
+        <p14:creationId xmlns:p14="http://schemas.microsoft.com/office/powerpoint/2010/main" val="3083674996"/>
+      </p:ext>
+    </p:extLst>
+  </p:cSld>
+  <p:clrMapOvr>
+    <a:masterClrMapping/>
+  </p:clrMapOvr>
+  <p:transition/>
+  <p:timing>
+    <p:tnLst>
+      <p:par>
+        <p:cTn id="1" dur="indefinite" restart="never" nodeType="tmRoot"/>
+      </p:par>
+    </p:tnLst>
+  </p:timing>
+  <p:hf sldNum="0" hdr="0" dt="0"/>
+</p:sldLayout>
+</file>
+
+<file path=ppt/slideLayouts/slideLayout3.xml><?xml version="1.0" encoding="utf-8"?>
+<p:sldLayout xmlns:a="http://schemas.openxmlformats.org/drawingml/2006/main" xmlns:r="http://schemas.openxmlformats.org/officeDocument/2006/relationships" xmlns:p="http://schemas.openxmlformats.org/presentationml/2006/main">
   <p:cSld name="Title Only">
     <p:spTree>
       <p:nvGrpSpPr>
@@ -7445,560 +7813,14 @@
 </p:sldLayout>
 </file>
 
-<file path=ppt/slideLayouts/slideLayout2.xml><?xml version="1.0" encoding="utf-8"?>
-<p:sldLayout xmlns:a="http://schemas.openxmlformats.org/drawingml/2006/main" xmlns:r="http://schemas.openxmlformats.org/officeDocument/2006/relationships" xmlns:p="http://schemas.openxmlformats.org/presentationml/2006/main" type="obj" preserve="1">
-  <p:cSld name="Title and Content">
-    <p:spTree>
-      <p:nvGrpSpPr>
-        <p:cNvPr id="1" name=""/>
-        <p:cNvGrpSpPr/>
-        <p:nvPr/>
-      </p:nvGrpSpPr>
-      <p:grpSpPr>
-        <a:xfrm>
-          <a:off x="0" y="0"/>
-          <a:ext cx="0" cy="0"/>
-          <a:chOff x="0" y="0"/>
-          <a:chExt cx="0" cy="0"/>
-        </a:xfrm>
-      </p:grpSpPr>
-      <p:sp>
-        <p:nvSpPr>
-          <p:cNvPr id="2" name="Title 1"/>
-          <p:cNvSpPr>
-            <a:spLocks noGrp="1"/>
-          </p:cNvSpPr>
-          <p:nvPr>
-            <p:ph type="title"/>
-          </p:nvPr>
-        </p:nvSpPr>
-        <p:spPr/>
-        <p:txBody>
-          <a:bodyPr/>
-          <a:lstStyle>
-            <a:lvl1pPr>
-              <a:defRPr/>
-            </a:lvl1pPr>
-          </a:lstStyle>
-          <a:p>
-            <a:r>
-              <a:rPr lang="en-US" smtClean="0"/>
-              <a:t>Click to edit Master title style</a:t>
-            </a:r>
-            <a:endParaRPr lang="en-US" dirty="0"/>
-          </a:p>
-        </p:txBody>
-      </p:sp>
-      <p:sp>
-        <p:nvSpPr>
-          <p:cNvPr id="3" name="Content Placeholder 2"/>
-          <p:cNvSpPr>
-            <a:spLocks noGrp="1"/>
-          </p:cNvSpPr>
-          <p:nvPr>
-            <p:ph idx="1"/>
-          </p:nvPr>
-        </p:nvSpPr>
-        <p:spPr/>
-        <p:txBody>
-          <a:bodyPr/>
-          <a:lstStyle>
-            <a:lvl1pPr>
-              <a:buNone/>
-              <a:defRPr sz="3200"/>
-            </a:lvl1pPr>
-          </a:lstStyle>
-          <a:p>
-            <a:pPr lvl="0"/>
-            <a:r>
-              <a:rPr lang="en-US" smtClean="0"/>
-              <a:t>Click to edit Master text styles</a:t>
-            </a:r>
-          </a:p>
-          <a:p>
-            <a:pPr lvl="1"/>
-            <a:r>
-              <a:rPr lang="en-US" smtClean="0"/>
-              <a:t>Second level</a:t>
-            </a:r>
-          </a:p>
-          <a:p>
-            <a:pPr lvl="2"/>
-            <a:r>
-              <a:rPr lang="en-US" smtClean="0"/>
-              <a:t>Third level</a:t>
-            </a:r>
-          </a:p>
-          <a:p>
-            <a:pPr lvl="3"/>
-            <a:r>
-              <a:rPr lang="en-US" smtClean="0"/>
-              <a:t>Fourth level</a:t>
-            </a:r>
-          </a:p>
-          <a:p>
-            <a:pPr lvl="4"/>
-            <a:r>
-              <a:rPr lang="en-US" smtClean="0"/>
-              <a:t>Fifth level</a:t>
-            </a:r>
-            <a:endParaRPr lang="en-US" dirty="0"/>
-          </a:p>
-        </p:txBody>
-      </p:sp>
-    </p:spTree>
-  </p:cSld>
-  <p:clrMapOvr>
-    <a:masterClrMapping/>
-  </p:clrMapOvr>
-  <p:transition/>
-</p:sldLayout>
-</file>
-
-<file path=ppt/slideLayouts/slideLayout3.xml><?xml version="1.0" encoding="utf-8"?>
-<p:sldLayout xmlns:a="http://schemas.openxmlformats.org/drawingml/2006/main" xmlns:r="http://schemas.openxmlformats.org/officeDocument/2006/relationships" xmlns:p="http://schemas.openxmlformats.org/presentationml/2006/main" preserve="1">
-  <p:cSld name="Content Full Screen">
-    <p:spTree>
-      <p:nvGrpSpPr>
-        <p:cNvPr id="1" name=""/>
-        <p:cNvGrpSpPr/>
-        <p:nvPr/>
-      </p:nvGrpSpPr>
-      <p:grpSpPr>
-        <a:xfrm>
-          <a:off x="0" y="0"/>
-          <a:ext cx="0" cy="0"/>
-          <a:chOff x="0" y="0"/>
-          <a:chExt cx="0" cy="0"/>
-        </a:xfrm>
-      </p:grpSpPr>
-      <p:sp>
-        <p:nvSpPr>
-          <p:cNvPr id="3" name="Content Placeholder 2"/>
-          <p:cNvSpPr>
-            <a:spLocks noGrp="1"/>
-          </p:cNvSpPr>
-          <p:nvPr>
-            <p:ph idx="1"/>
-          </p:nvPr>
-        </p:nvSpPr>
-        <p:spPr>
-          <a:xfrm>
-            <a:off x="0" y="113"/>
-            <a:ext cx="13011150" cy="8993187"/>
-          </a:xfrm>
-        </p:spPr>
-        <p:txBody>
-          <a:bodyPr/>
-          <a:lstStyle/>
-          <a:p>
-            <a:pPr lvl="0"/>
-            <a:r>
-              <a:rPr lang="en-US" smtClean="0"/>
-              <a:t>Click to edit Master text styles</a:t>
-            </a:r>
-          </a:p>
-        </p:txBody>
-      </p:sp>
-    </p:spTree>
-  </p:cSld>
-  <p:clrMapOvr>
-    <a:masterClrMapping/>
-  </p:clrMapOvr>
-  <p:transition/>
-</p:sldLayout>
-</file>
-
-<file path=ppt/slideLayouts/slideLayout4.xml><?xml version="1.0" encoding="utf-8"?>
-<p:sldLayout xmlns:a="http://schemas.openxmlformats.org/drawingml/2006/main" xmlns:r="http://schemas.openxmlformats.org/officeDocument/2006/relationships" xmlns:p="http://schemas.openxmlformats.org/presentationml/2006/main" preserve="1" userDrawn="1">
-  <p:cSld name="1_Text and Content">
-    <p:spTree>
-      <p:nvGrpSpPr>
-        <p:cNvPr id="1" name=""/>
-        <p:cNvGrpSpPr/>
-        <p:nvPr/>
-      </p:nvGrpSpPr>
-      <p:grpSpPr>
-        <a:xfrm>
-          <a:off x="0" y="0"/>
-          <a:ext cx="0" cy="0"/>
-          <a:chOff x="0" y="0"/>
-          <a:chExt cx="0" cy="0"/>
-        </a:xfrm>
-      </p:grpSpPr>
-      <p:sp>
-        <p:nvSpPr>
-          <p:cNvPr id="2" name="Title 1"/>
-          <p:cNvSpPr>
-            <a:spLocks noGrp="1"/>
-          </p:cNvSpPr>
-          <p:nvPr>
-            <p:ph type="title"/>
-          </p:nvPr>
-        </p:nvSpPr>
-        <p:spPr/>
-        <p:txBody>
-          <a:bodyPr/>
-          <a:lstStyle/>
-          <a:p>
-            <a:r>
-              <a:rPr lang="en-US" smtClean="0"/>
-              <a:t>Click to edit Master title style</a:t>
-            </a:r>
-            <a:endParaRPr lang="en-US"/>
-          </a:p>
-        </p:txBody>
-      </p:sp>
-      <p:sp>
-        <p:nvSpPr>
-          <p:cNvPr id="9" name="Content Placeholder 8"/>
-          <p:cNvSpPr>
-            <a:spLocks noGrp="1"/>
-          </p:cNvSpPr>
-          <p:nvPr>
-            <p:ph sz="quarter" idx="10"/>
-          </p:nvPr>
-        </p:nvSpPr>
-        <p:spPr>
-          <a:xfrm>
-            <a:off x="603504" y="2148841"/>
-            <a:ext cx="5788152" cy="6702552"/>
-          </a:xfrm>
-        </p:spPr>
-        <p:txBody>
-          <a:bodyPr/>
-          <a:lstStyle/>
-          <a:p>
-            <a:pPr lvl="0"/>
-            <a:r>
-              <a:rPr lang="en-US" dirty="0" smtClean="0"/>
-              <a:t>Click to edit Master text styles</a:t>
-            </a:r>
-          </a:p>
-          <a:p>
-            <a:pPr lvl="1"/>
-            <a:r>
-              <a:rPr lang="en-US" dirty="0" smtClean="0"/>
-              <a:t>Second level</a:t>
-            </a:r>
-          </a:p>
-          <a:p>
-            <a:pPr lvl="2"/>
-            <a:r>
-              <a:rPr lang="en-US" dirty="0" smtClean="0"/>
-              <a:t>Third level</a:t>
-            </a:r>
-          </a:p>
-          <a:p>
-            <a:pPr lvl="3"/>
-            <a:r>
-              <a:rPr lang="en-US" dirty="0" smtClean="0"/>
-              <a:t>Fourth level</a:t>
-            </a:r>
-          </a:p>
-          <a:p>
-            <a:pPr lvl="4"/>
-            <a:r>
-              <a:rPr lang="en-US" dirty="0" smtClean="0"/>
-              <a:t>Fifth level</a:t>
-            </a:r>
-            <a:endParaRPr lang="en-US" dirty="0"/>
-          </a:p>
-        </p:txBody>
-      </p:sp>
-      <p:sp>
-        <p:nvSpPr>
-          <p:cNvPr id="11" name="Content Placeholder 10"/>
-          <p:cNvSpPr>
-            <a:spLocks noGrp="1"/>
-          </p:cNvSpPr>
-          <p:nvPr>
-            <p:ph sz="quarter" idx="11"/>
-          </p:nvPr>
-        </p:nvSpPr>
-        <p:spPr>
-          <a:xfrm>
-            <a:off x="6581775" y="2148840"/>
-            <a:ext cx="5791200" cy="6705600"/>
-          </a:xfrm>
-        </p:spPr>
-        <p:txBody>
-          <a:bodyPr/>
-          <a:lstStyle/>
-          <a:p>
-            <a:pPr lvl="0"/>
-            <a:r>
-              <a:rPr lang="en-US" smtClean="0"/>
-              <a:t>Click to edit Master text styles</a:t>
-            </a:r>
-          </a:p>
-          <a:p>
-            <a:pPr lvl="1"/>
-            <a:r>
-              <a:rPr lang="en-US" smtClean="0"/>
-              <a:t>Second level</a:t>
-            </a:r>
-          </a:p>
-          <a:p>
-            <a:pPr lvl="2"/>
-            <a:r>
-              <a:rPr lang="en-US" smtClean="0"/>
-              <a:t>Third level</a:t>
-            </a:r>
-          </a:p>
-          <a:p>
-            <a:pPr lvl="3"/>
-            <a:r>
-              <a:rPr lang="en-US" smtClean="0"/>
-              <a:t>Fourth level</a:t>
-            </a:r>
-          </a:p>
-          <a:p>
-            <a:pPr lvl="4"/>
-            <a:r>
-              <a:rPr lang="en-US" smtClean="0"/>
-              <a:t>Fifth level</a:t>
-            </a:r>
-            <a:endParaRPr lang="en-US"/>
-          </a:p>
-        </p:txBody>
-      </p:sp>
-    </p:spTree>
-  </p:cSld>
-  <p:clrMapOvr>
-    <a:masterClrMapping/>
-  </p:clrMapOvr>
-  <p:transition/>
-</p:sldLayout>
-</file>
-
-<file path=ppt/slideLayouts/slideLayout5.xml><?xml version="1.0" encoding="utf-8"?>
-<p:sldLayout xmlns:a="http://schemas.openxmlformats.org/drawingml/2006/main" xmlns:r="http://schemas.openxmlformats.org/officeDocument/2006/relationships" xmlns:p="http://schemas.openxmlformats.org/presentationml/2006/main" preserve="1" userDrawn="1">
-  <p:cSld name="Title Only">
-    <p:spTree>
-      <p:nvGrpSpPr>
-        <p:cNvPr id="1" name=""/>
-        <p:cNvGrpSpPr/>
-        <p:nvPr/>
-      </p:nvGrpSpPr>
-      <p:grpSpPr>
-        <a:xfrm>
-          <a:off x="0" y="0"/>
-          <a:ext cx="0" cy="0"/>
-          <a:chOff x="0" y="0"/>
-          <a:chExt cx="0" cy="0"/>
-        </a:xfrm>
-      </p:grpSpPr>
-      <p:sp>
-        <p:nvSpPr>
-          <p:cNvPr id="2" name="Title 1"/>
-          <p:cNvSpPr>
-            <a:spLocks noGrp="1"/>
-          </p:cNvSpPr>
-          <p:nvPr>
-            <p:ph type="title"/>
-          </p:nvPr>
-        </p:nvSpPr>
-        <p:spPr>
-          <a:xfrm>
-            <a:off x="593725" y="3611881"/>
-            <a:ext cx="11762080" cy="1417320"/>
-          </a:xfrm>
-        </p:spPr>
-        <p:txBody>
-          <a:bodyPr/>
-          <a:lstStyle/>
-          <a:p>
-            <a:r>
-              <a:rPr lang="en-US" smtClean="0"/>
-              <a:t>Click to edit Master title style</a:t>
-            </a:r>
-            <a:endParaRPr lang="en-US"/>
-          </a:p>
-        </p:txBody>
-      </p:sp>
-    </p:spTree>
-  </p:cSld>
-  <p:clrMapOvr>
-    <a:masterClrMapping/>
-  </p:clrMapOvr>
-  <p:transition/>
-</p:sldLayout>
-</file>
-
-<file path=ppt/slideLayouts/slideLayout6.xml><?xml version="1.0" encoding="utf-8"?>
-<p:sldLayout xmlns:a="http://schemas.openxmlformats.org/drawingml/2006/main" xmlns:r="http://schemas.openxmlformats.org/officeDocument/2006/relationships" xmlns:p="http://schemas.openxmlformats.org/presentationml/2006/main" type="obj" preserve="1">
-  <p:cSld name="Title and Content">
-    <p:spTree>
-      <p:nvGrpSpPr>
-        <p:cNvPr id="1" name=""/>
-        <p:cNvGrpSpPr/>
-        <p:nvPr/>
-      </p:nvGrpSpPr>
-      <p:grpSpPr>
-        <a:xfrm>
-          <a:off x="0" y="0"/>
-          <a:ext cx="0" cy="0"/>
-          <a:chOff x="0" y="0"/>
-          <a:chExt cx="0" cy="0"/>
-        </a:xfrm>
-      </p:grpSpPr>
-      <p:sp>
-        <p:nvSpPr>
-          <p:cNvPr id="2" name="Title 1"/>
-          <p:cNvSpPr>
-            <a:spLocks noGrp="1"/>
-          </p:cNvSpPr>
-          <p:nvPr>
-            <p:ph type="title"/>
-          </p:nvPr>
-        </p:nvSpPr>
-        <p:spPr/>
-        <p:txBody>
-          <a:bodyPr/>
-          <a:lstStyle>
-            <a:lvl1pPr>
-              <a:defRPr/>
-            </a:lvl1pPr>
-          </a:lstStyle>
-          <a:p>
-            <a:r>
-              <a:rPr lang="en-US" smtClean="0"/>
-              <a:t>Click to edit Master title style</a:t>
-            </a:r>
-            <a:endParaRPr lang="en-US" dirty="0"/>
-          </a:p>
-        </p:txBody>
-      </p:sp>
-      <p:sp>
-        <p:nvSpPr>
-          <p:cNvPr id="3" name="Content Placeholder 2"/>
-          <p:cNvSpPr>
-            <a:spLocks noGrp="1"/>
-          </p:cNvSpPr>
-          <p:nvPr>
-            <p:ph idx="1"/>
-          </p:nvPr>
-        </p:nvSpPr>
-        <p:spPr/>
-        <p:txBody>
-          <a:bodyPr/>
-          <a:lstStyle/>
-          <a:p>
-            <a:pPr lvl="0"/>
-            <a:r>
-              <a:rPr lang="en-US" smtClean="0"/>
-              <a:t>Click to edit Master text styles</a:t>
-            </a:r>
-          </a:p>
-          <a:p>
-            <a:pPr lvl="1"/>
-            <a:r>
-              <a:rPr lang="en-US" smtClean="0"/>
-              <a:t>Second level</a:t>
-            </a:r>
-          </a:p>
-          <a:p>
-            <a:pPr lvl="2"/>
-            <a:r>
-              <a:rPr lang="en-US" smtClean="0"/>
-              <a:t>Third level</a:t>
-            </a:r>
-          </a:p>
-          <a:p>
-            <a:pPr lvl="3"/>
-            <a:r>
-              <a:rPr lang="en-US" smtClean="0"/>
-              <a:t>Fourth level</a:t>
-            </a:r>
-          </a:p>
-          <a:p>
-            <a:pPr lvl="4"/>
-            <a:r>
-              <a:rPr lang="en-US" smtClean="0"/>
-              <a:t>Fifth level</a:t>
-            </a:r>
-            <a:endParaRPr lang="en-US" dirty="0"/>
-          </a:p>
-        </p:txBody>
-      </p:sp>
-    </p:spTree>
-  </p:cSld>
-  <p:clrMapOvr>
-    <a:masterClrMapping/>
-  </p:clrMapOvr>
-  <p:transition/>
-</p:sldLayout>
-</file>
-
-<file path=ppt/slideLayouts/slideLayout7.xml><?xml version="1.0" encoding="utf-8"?>
-<p:sldLayout xmlns:a="http://schemas.openxmlformats.org/drawingml/2006/main" xmlns:r="http://schemas.openxmlformats.org/officeDocument/2006/relationships" xmlns:p="http://schemas.openxmlformats.org/presentationml/2006/main" preserve="1" userDrawn="1">
-  <p:cSld name="Content Full Screen">
-    <p:spTree>
-      <p:nvGrpSpPr>
-        <p:cNvPr id="1" name=""/>
-        <p:cNvGrpSpPr/>
-        <p:nvPr/>
-      </p:nvGrpSpPr>
-      <p:grpSpPr>
-        <a:xfrm>
-          <a:off x="0" y="0"/>
-          <a:ext cx="0" cy="0"/>
-          <a:chOff x="0" y="0"/>
-          <a:chExt cx="0" cy="0"/>
-        </a:xfrm>
-      </p:grpSpPr>
-      <p:sp>
-        <p:nvSpPr>
-          <p:cNvPr id="3" name="Content Placeholder 2"/>
-          <p:cNvSpPr>
-            <a:spLocks noGrp="1"/>
-          </p:cNvSpPr>
-          <p:nvPr>
-            <p:ph idx="1"/>
-          </p:nvPr>
-        </p:nvSpPr>
-        <p:spPr>
-          <a:xfrm>
-            <a:off x="0" y="113"/>
-            <a:ext cx="13011150" cy="8993187"/>
-          </a:xfrm>
-        </p:spPr>
-        <p:txBody>
-          <a:bodyPr/>
-          <a:lstStyle/>
-          <a:p>
-            <a:pPr lvl="0"/>
-            <a:r>
-              <a:rPr lang="en-US" smtClean="0"/>
-              <a:t>Click to edit Master text styles</a:t>
-            </a:r>
-          </a:p>
-        </p:txBody>
-      </p:sp>
-    </p:spTree>
-  </p:cSld>
-  <p:clrMapOvr>
-    <a:masterClrMapping/>
-  </p:clrMapOvr>
-  <p:transition/>
-</p:sldLayout>
-</file>
-
 <file path=ppt/slideMasters/slideMaster1.xml><?xml version="1.0" encoding="utf-8"?>
 <p:sldMaster xmlns:a="http://schemas.openxmlformats.org/drawingml/2006/main" xmlns:r="http://schemas.openxmlformats.org/officeDocument/2006/relationships" xmlns:p="http://schemas.openxmlformats.org/presentationml/2006/main" preserve="1">
   <p:cSld>
     <p:bg>
       <p:bgPr>
-        <a:blipFill dpi="0" rotWithShape="1">
-          <a:blip r:embed="rId6" cstate="print">
-            <a:lum/>
-          </a:blip>
-          <a:srcRect/>
-          <a:stretch>
-            <a:fillRect/>
-          </a:stretch>
-        </a:blipFill>
+        <a:solidFill>
+          <a:schemeClr val="bg1"/>
+        </a:solidFill>
         <a:effectLst/>
       </p:bgPr>
     </p:bg>
@@ -8099,7 +7921,7 @@
           <a:p>
             <a:pPr lvl="0"/>
             <a:r>
-              <a:rPr lang="en-US" dirty="0" smtClean="0">
+              <a:rPr lang="en-US" smtClean="0">
                 <a:sym typeface="Arial" pitchFamily="34" charset="0"/>
               </a:rPr>
               <a:t>Click to edit Master text styles</a:t>
@@ -8108,7 +7930,7 @@
           <a:p>
             <a:pPr lvl="1"/>
             <a:r>
-              <a:rPr lang="en-US" dirty="0" smtClean="0">
+              <a:rPr lang="en-US" smtClean="0">
                 <a:sym typeface="Arial" pitchFamily="34" charset="0"/>
               </a:rPr>
               <a:t>Second level</a:t>
@@ -8117,7 +7939,7 @@
           <a:p>
             <a:pPr lvl="2"/>
             <a:r>
-              <a:rPr lang="en-US" dirty="0" smtClean="0">
+              <a:rPr lang="en-US" smtClean="0">
                 <a:sym typeface="Arial" pitchFamily="34" charset="0"/>
               </a:rPr>
               <a:t>Third level</a:t>
@@ -8126,7 +7948,7 @@
           <a:p>
             <a:pPr lvl="3"/>
             <a:r>
-              <a:rPr lang="en-US" dirty="0" smtClean="0">
+              <a:rPr lang="en-US" smtClean="0">
                 <a:sym typeface="Arial" pitchFamily="34" charset="0"/>
               </a:rPr>
               <a:t>Fourth level</a:t>
@@ -8135,102 +7957,14 @@
           <a:p>
             <a:pPr lvl="4"/>
             <a:r>
-              <a:rPr lang="en-US" dirty="0" smtClean="0">
+              <a:rPr lang="en-US" smtClean="0">
                 <a:sym typeface="Arial" pitchFamily="34" charset="0"/>
               </a:rPr>
               <a:t>Fifth level</a:t>
             </a:r>
-          </a:p>
-        </p:txBody>
-      </p:sp>
-      <p:pic>
-        <p:nvPicPr>
-          <p:cNvPr id="4" name="Picture 2"/>
-          <p:cNvPicPr>
-            <a:picLocks noChangeAspect="1" noChangeArrowheads="1"/>
-          </p:cNvPicPr>
-          <p:nvPr userDrawn="1"/>
-        </p:nvPicPr>
-        <p:blipFill>
-          <a:blip r:embed="rId7" cstate="print"/>
-          <a:srcRect/>
-          <a:stretch>
-            <a:fillRect/>
-          </a:stretch>
-        </p:blipFill>
-        <p:spPr bwMode="auto">
-          <a:xfrm>
-            <a:off x="2" y="8994775"/>
-            <a:ext cx="13017500" cy="765176"/>
-          </a:xfrm>
-          <a:prstGeom prst="rect">
-            <a:avLst/>
-          </a:prstGeom>
-          <a:noFill/>
-          <a:ln w="12700">
-            <a:noFill/>
-            <a:miter lim="800000"/>
-            <a:headEnd/>
-            <a:tailEnd/>
-          </a:ln>
-        </p:spPr>
-      </p:pic>
-      <p:sp>
-        <p:nvSpPr>
-          <p:cNvPr id="5" name="Text Box 76"/>
-          <p:cNvSpPr txBox="1">
-            <a:spLocks noChangeArrowheads="1"/>
-          </p:cNvSpPr>
-          <p:nvPr userDrawn="1"/>
-        </p:nvSpPr>
-        <p:spPr bwMode="white">
-          <a:xfrm>
-            <a:off x="590550" y="9269526"/>
-            <a:ext cx="2898774" cy="200025"/>
-          </a:xfrm>
-          <a:prstGeom prst="rect">
-            <a:avLst/>
-          </a:prstGeom>
-          <a:noFill/>
-          <a:ln w="9525">
-            <a:noFill/>
-            <a:miter lim="800000"/>
-            <a:headEnd/>
-            <a:tailEnd/>
-          </a:ln>
-          <a:effectLst/>
-        </p:spPr>
-        <p:txBody>
-          <a:bodyPr lIns="0" tIns="0" rIns="0" bIns="0" anchor="ctr"/>
-          <a:lstStyle/>
-          <a:p>
-            <a:pPr defTabSz="1294318" eaLnBrk="0" hangingPunct="0">
-              <a:defRPr/>
-            </a:pPr>
-            <a:r>
-              <a:rPr lang="en-US" sz="900" baseline="0" dirty="0">
-                <a:solidFill>
-                  <a:srgbClr val="969696"/>
-                </a:solidFill>
-              </a:rPr>
-              <a:t>© </a:t>
-            </a:r>
-            <a:r>
-              <a:rPr lang="en-US" sz="900" baseline="0" dirty="0" smtClean="0">
-                <a:solidFill>
-                  <a:srgbClr val="969696"/>
-                </a:solidFill>
-              </a:rPr>
-              <a:t>2013 </a:t>
-            </a:r>
-            <a:r>
-              <a:rPr lang="en-US" sz="900" baseline="0" dirty="0">
-                <a:solidFill>
-                  <a:srgbClr val="969696"/>
-                </a:solidFill>
-              </a:rPr>
-              <a:t>Autodesk </a:t>
-            </a:r>
+            <a:endParaRPr lang="en-US" dirty="0" smtClean="0">
+              <a:sym typeface="Arial" pitchFamily="34" charset="0"/>
+            </a:endParaRPr>
           </a:p>
         </p:txBody>
       </p:sp>
@@ -8242,8 +7976,8 @@
         </p:nvSpPr>
         <p:spPr>
           <a:xfrm>
-            <a:off x="5631665" y="9221787"/>
-            <a:ext cx="1290610" cy="338554"/>
+            <a:off x="5057775" y="839787"/>
+            <a:ext cx="3299301" cy="338554"/>
           </a:xfrm>
           <a:prstGeom prst="rect">
             <a:avLst/>
@@ -8257,785 +7991,14 @@
           <a:lstStyle/>
           <a:p>
             <a:r>
-              <a:rPr lang="en-US" sz="1600" err="1" smtClean="0"/>
-              <a:t>Revit</a:t>
-            </a:r>
-            <a:r>
-              <a:rPr lang="en-US" sz="1600" smtClean="0"/>
-              <a:t> UI </a:t>
-            </a:r>
-            <a:r>
-              <a:rPr lang="en-US" sz="1600" dirty="0" smtClean="0"/>
-              <a:t>API</a:t>
-            </a:r>
-            <a:endParaRPr lang="en-US" sz="1600" i="1" dirty="0"/>
-          </a:p>
-        </p:txBody>
-      </p:sp>
-    </p:spTree>
-  </p:cSld>
-  <p:clrMap bg1="dk1" tx1="lt1" bg2="dk2" tx2="lt2" accent1="accent1" accent2="accent2" accent3="accent3" accent4="accent4" accent5="accent5" accent6="accent6" hlink="hlink" folHlink="folHlink"/>
-  <p:sldLayoutIdLst>
-    <p:sldLayoutId id="2147483683" r:id="rId1"/>
-    <p:sldLayoutId id="2147483684" r:id="rId2"/>
-    <p:sldLayoutId id="2147483685" r:id="rId3"/>
-    <p:sldLayoutId id="2147483692" r:id="rId4"/>
-  </p:sldLayoutIdLst>
-  <p:transition/>
-  <p:txStyles>
-    <p:titleStyle>
-      <a:lvl1pPr algn="l" rtl="0" eaLnBrk="1" fontAlgn="base" hangingPunct="1">
-        <a:spcBef>
-          <a:spcPct val="0"/>
-        </a:spcBef>
-        <a:spcAft>
-          <a:spcPct val="0"/>
-        </a:spcAft>
-        <a:defRPr sz="4000" b="1" baseline="0">
-          <a:solidFill>
-            <a:srgbClr val="FFFFFF"/>
-          </a:solidFill>
-          <a:latin typeface="+mj-lt"/>
-          <a:ea typeface="+mj-ea"/>
-          <a:cs typeface="+mj-cs"/>
-          <a:sym typeface="Arial" pitchFamily="34" charset="0"/>
-        </a:defRPr>
-      </a:lvl1pPr>
-      <a:lvl2pPr algn="l" rtl="0" eaLnBrk="1" fontAlgn="base" hangingPunct="1">
-        <a:spcBef>
-          <a:spcPct val="0"/>
-        </a:spcBef>
-        <a:spcAft>
-          <a:spcPct val="0"/>
-        </a:spcAft>
-        <a:defRPr sz="4000" b="1">
-          <a:solidFill>
-            <a:srgbClr val="FFFFFF"/>
-          </a:solidFill>
-          <a:latin typeface="Arial" charset="0"/>
-          <a:ea typeface="ヒラギノ角ゴ Pro W6" charset="0"/>
-          <a:cs typeface="ヒラギノ角ゴ Pro W6" charset="0"/>
-          <a:sym typeface="Arial" pitchFamily="34" charset="0"/>
-        </a:defRPr>
-      </a:lvl2pPr>
-      <a:lvl3pPr algn="l" rtl="0" eaLnBrk="1" fontAlgn="base" hangingPunct="1">
-        <a:spcBef>
-          <a:spcPct val="0"/>
-        </a:spcBef>
-        <a:spcAft>
-          <a:spcPct val="0"/>
-        </a:spcAft>
-        <a:defRPr sz="4000" b="1">
-          <a:solidFill>
-            <a:srgbClr val="FFFFFF"/>
-          </a:solidFill>
-          <a:latin typeface="Arial" charset="0"/>
-          <a:ea typeface="ヒラギノ角ゴ Pro W6" charset="0"/>
-          <a:cs typeface="ヒラギノ角ゴ Pro W6" charset="0"/>
-          <a:sym typeface="Arial" pitchFamily="34" charset="0"/>
-        </a:defRPr>
-      </a:lvl3pPr>
-      <a:lvl4pPr algn="l" rtl="0" eaLnBrk="1" fontAlgn="base" hangingPunct="1">
-        <a:spcBef>
-          <a:spcPct val="0"/>
-        </a:spcBef>
-        <a:spcAft>
-          <a:spcPct val="0"/>
-        </a:spcAft>
-        <a:defRPr sz="4000" b="1">
-          <a:solidFill>
-            <a:srgbClr val="FFFFFF"/>
-          </a:solidFill>
-          <a:latin typeface="Arial" charset="0"/>
-          <a:ea typeface="ヒラギノ角ゴ Pro W6" charset="0"/>
-          <a:cs typeface="ヒラギノ角ゴ Pro W6" charset="0"/>
-          <a:sym typeface="Arial" pitchFamily="34" charset="0"/>
-        </a:defRPr>
-      </a:lvl4pPr>
-      <a:lvl5pPr algn="l" rtl="0" eaLnBrk="1" fontAlgn="base" hangingPunct="1">
-        <a:spcBef>
-          <a:spcPct val="0"/>
-        </a:spcBef>
-        <a:spcAft>
-          <a:spcPct val="0"/>
-        </a:spcAft>
-        <a:defRPr sz="4000" b="1">
-          <a:solidFill>
-            <a:srgbClr val="FFFFFF"/>
-          </a:solidFill>
-          <a:latin typeface="Arial" charset="0"/>
-          <a:ea typeface="ヒラギノ角ゴ Pro W6" charset="0"/>
-          <a:cs typeface="ヒラギノ角ゴ Pro W6" charset="0"/>
-          <a:sym typeface="Arial" pitchFamily="34" charset="0"/>
-        </a:defRPr>
-      </a:lvl5pPr>
-      <a:lvl6pPr marL="455334" algn="l" rtl="0" eaLnBrk="1" fontAlgn="base" hangingPunct="1">
-        <a:spcBef>
-          <a:spcPct val="0"/>
-        </a:spcBef>
-        <a:spcAft>
-          <a:spcPct val="0"/>
-        </a:spcAft>
-        <a:defRPr sz="4000" b="1">
-          <a:solidFill>
-            <a:srgbClr val="FFFFFF"/>
-          </a:solidFill>
-          <a:latin typeface="Arial" charset="0"/>
-          <a:ea typeface="ヒラギノ角ゴ Pro W6" charset="0"/>
-          <a:cs typeface="ヒラギノ角ゴ Pro W6" charset="0"/>
-          <a:sym typeface="Arial" charset="0"/>
-        </a:defRPr>
-      </a:lvl6pPr>
-      <a:lvl7pPr marL="910669" algn="l" rtl="0" eaLnBrk="1" fontAlgn="base" hangingPunct="1">
-        <a:spcBef>
-          <a:spcPct val="0"/>
-        </a:spcBef>
-        <a:spcAft>
-          <a:spcPct val="0"/>
-        </a:spcAft>
-        <a:defRPr sz="4000" b="1">
-          <a:solidFill>
-            <a:srgbClr val="FFFFFF"/>
-          </a:solidFill>
-          <a:latin typeface="Arial" charset="0"/>
-          <a:ea typeface="ヒラギノ角ゴ Pro W6" charset="0"/>
-          <a:cs typeface="ヒラギノ角ゴ Pro W6" charset="0"/>
-          <a:sym typeface="Arial" charset="0"/>
-        </a:defRPr>
-      </a:lvl7pPr>
-      <a:lvl8pPr marL="1366000" algn="l" rtl="0" eaLnBrk="1" fontAlgn="base" hangingPunct="1">
-        <a:spcBef>
-          <a:spcPct val="0"/>
-        </a:spcBef>
-        <a:spcAft>
-          <a:spcPct val="0"/>
-        </a:spcAft>
-        <a:defRPr sz="4000" b="1">
-          <a:solidFill>
-            <a:srgbClr val="FFFFFF"/>
-          </a:solidFill>
-          <a:latin typeface="Arial" charset="0"/>
-          <a:ea typeface="ヒラギノ角ゴ Pro W6" charset="0"/>
-          <a:cs typeface="ヒラギノ角ゴ Pro W6" charset="0"/>
-          <a:sym typeface="Arial" charset="0"/>
-        </a:defRPr>
-      </a:lvl8pPr>
-      <a:lvl9pPr marL="1821335" algn="l" rtl="0" eaLnBrk="1" fontAlgn="base" hangingPunct="1">
-        <a:spcBef>
-          <a:spcPct val="0"/>
-        </a:spcBef>
-        <a:spcAft>
-          <a:spcPct val="0"/>
-        </a:spcAft>
-        <a:defRPr sz="4000" b="1">
-          <a:solidFill>
-            <a:srgbClr val="FFFFFF"/>
-          </a:solidFill>
-          <a:latin typeface="Arial" charset="0"/>
-          <a:ea typeface="ヒラギノ角ゴ Pro W6" charset="0"/>
-          <a:cs typeface="ヒラギノ角ゴ Pro W6" charset="0"/>
-          <a:sym typeface="Arial" charset="0"/>
-        </a:defRPr>
-      </a:lvl9pPr>
-    </p:titleStyle>
-    <p:bodyStyle>
-      <a:lvl1pPr marL="282894" indent="-282894" algn="l" rtl="0" eaLnBrk="1" fontAlgn="base" hangingPunct="1">
-        <a:spcBef>
-          <a:spcPts val="499"/>
-        </a:spcBef>
-        <a:spcAft>
-          <a:spcPct val="0"/>
-        </a:spcAft>
-        <a:buClr>
-          <a:srgbClr val="FFFFFF"/>
-        </a:buClr>
-        <a:buSzPct val="80000"/>
-        <a:buFont typeface="Wingdings" pitchFamily="2" charset="2"/>
-        <a:buChar char="§"/>
-        <a:defRPr sz="3100">
-          <a:solidFill>
-            <a:srgbClr val="FFFFFF"/>
-          </a:solidFill>
-          <a:latin typeface="+mn-lt"/>
-          <a:ea typeface="+mn-ea"/>
-          <a:cs typeface="+mn-cs"/>
-          <a:sym typeface="Arial" pitchFamily="34" charset="0"/>
-        </a:defRPr>
-      </a:lvl1pPr>
-      <a:lvl2pPr marL="565764" indent="-282894" algn="l" rtl="0" eaLnBrk="1" fontAlgn="base" hangingPunct="1">
-        <a:spcBef>
-          <a:spcPts val="499"/>
-        </a:spcBef>
-        <a:spcAft>
-          <a:spcPct val="0"/>
-        </a:spcAft>
-        <a:buClr>
-          <a:srgbClr val="FFFFFF"/>
-        </a:buClr>
-        <a:buSzPct val="80000"/>
-        <a:buFont typeface="Wingdings" pitchFamily="2" charset="2"/>
-        <a:buChar char="§"/>
-        <a:defRPr sz="2800">
-          <a:solidFill>
-            <a:srgbClr val="FFFFFF"/>
-          </a:solidFill>
-          <a:latin typeface="+mn-lt"/>
-          <a:ea typeface="+mn-ea"/>
-          <a:cs typeface="+mn-cs"/>
-          <a:sym typeface="Arial" pitchFamily="34" charset="0"/>
-        </a:defRPr>
-      </a:lvl2pPr>
-      <a:lvl3pPr marL="905557" indent="-254449" algn="l" rtl="0" eaLnBrk="1" fontAlgn="base" hangingPunct="1">
-        <a:spcBef>
-          <a:spcPts val="400"/>
-        </a:spcBef>
-        <a:spcAft>
-          <a:spcPct val="0"/>
-        </a:spcAft>
-        <a:buClr>
-          <a:srgbClr val="FFFFFF"/>
-        </a:buClr>
-        <a:buSzPct val="80000"/>
-        <a:buFont typeface="Wingdings" pitchFamily="2" charset="2"/>
-        <a:buChar char="§"/>
-        <a:defRPr sz="2400">
-          <a:solidFill>
-            <a:srgbClr val="FFFFFF"/>
-          </a:solidFill>
-          <a:latin typeface="+mn-lt"/>
-          <a:ea typeface="+mn-ea"/>
-          <a:cs typeface="+mn-cs"/>
-          <a:sym typeface="Arial" pitchFamily="34" charset="0"/>
-        </a:defRPr>
-      </a:lvl3pPr>
-      <a:lvl4pPr marL="1416026" indent="-227575" algn="l" rtl="0" eaLnBrk="1" fontAlgn="base" hangingPunct="1">
-        <a:spcBef>
-          <a:spcPts val="300"/>
-        </a:spcBef>
-        <a:spcAft>
-          <a:spcPct val="0"/>
-        </a:spcAft>
-        <a:buClr>
-          <a:srgbClr val="FFFFFF"/>
-        </a:buClr>
-        <a:buSzPct val="80000"/>
-        <a:buFont typeface="Wingdings" pitchFamily="2" charset="2"/>
-        <a:buChar char="§"/>
-        <a:defRPr sz="2100">
-          <a:solidFill>
-            <a:srgbClr val="FFFFFF"/>
-          </a:solidFill>
-          <a:latin typeface="+mn-lt"/>
-          <a:ea typeface="+mn-ea"/>
-          <a:cs typeface="+mn-cs"/>
-          <a:sym typeface="Arial" pitchFamily="34" charset="0"/>
-        </a:defRPr>
-      </a:lvl4pPr>
-      <a:lvl5pPr marL="1869592" indent="-205464" algn="l" rtl="0" eaLnBrk="1" fontAlgn="base" hangingPunct="1">
-        <a:spcBef>
-          <a:spcPts val="300"/>
-        </a:spcBef>
-        <a:spcAft>
-          <a:spcPct val="0"/>
-        </a:spcAft>
-        <a:buClr>
-          <a:srgbClr val="FFFFFF"/>
-        </a:buClr>
-        <a:buSzPct val="80000"/>
-        <a:buFont typeface="Wingdings" pitchFamily="2" charset="2"/>
-        <a:buChar char="§"/>
-        <a:defRPr sz="2000">
-          <a:solidFill>
-            <a:srgbClr val="FFFFFF"/>
-          </a:solidFill>
-          <a:latin typeface="+mn-lt"/>
-          <a:ea typeface="+mn-ea"/>
-          <a:cs typeface="+mn-cs"/>
-          <a:sym typeface="Arial" pitchFamily="34" charset="0"/>
-        </a:defRPr>
-      </a:lvl5pPr>
-      <a:lvl6pPr marL="2325676" indent="-205548" algn="l" rtl="0" eaLnBrk="1" fontAlgn="base" hangingPunct="1">
-        <a:spcBef>
-          <a:spcPts val="300"/>
-        </a:spcBef>
-        <a:spcAft>
-          <a:spcPct val="0"/>
-        </a:spcAft>
-        <a:buClr>
-          <a:srgbClr val="FFFFFF"/>
-        </a:buClr>
-        <a:buSzPct val="80000"/>
-        <a:buFont typeface="Lucida Grande" charset="0"/>
-        <a:buChar char="§"/>
-        <a:defRPr sz="2000">
-          <a:solidFill>
-            <a:srgbClr val="FFFFFF"/>
-          </a:solidFill>
-          <a:latin typeface="+mn-lt"/>
-          <a:ea typeface="+mn-ea"/>
-          <a:cs typeface="+mn-cs"/>
-          <a:sym typeface="Arial" charset="0"/>
-        </a:defRPr>
-      </a:lvl6pPr>
-      <a:lvl7pPr marL="2781009" indent="-205548" algn="l" rtl="0" eaLnBrk="1" fontAlgn="base" hangingPunct="1">
-        <a:spcBef>
-          <a:spcPts val="300"/>
-        </a:spcBef>
-        <a:spcAft>
-          <a:spcPct val="0"/>
-        </a:spcAft>
-        <a:buClr>
-          <a:srgbClr val="FFFFFF"/>
-        </a:buClr>
-        <a:buSzPct val="80000"/>
-        <a:buFont typeface="Lucida Grande" charset="0"/>
-        <a:buChar char="§"/>
-        <a:defRPr sz="2000">
-          <a:solidFill>
-            <a:srgbClr val="FFFFFF"/>
-          </a:solidFill>
-          <a:latin typeface="+mn-lt"/>
-          <a:ea typeface="+mn-ea"/>
-          <a:cs typeface="+mn-cs"/>
-          <a:sym typeface="Arial" charset="0"/>
-        </a:defRPr>
-      </a:lvl7pPr>
-      <a:lvl8pPr marL="3236341" indent="-205548" algn="l" rtl="0" eaLnBrk="1" fontAlgn="base" hangingPunct="1">
-        <a:spcBef>
-          <a:spcPts val="300"/>
-        </a:spcBef>
-        <a:spcAft>
-          <a:spcPct val="0"/>
-        </a:spcAft>
-        <a:buClr>
-          <a:srgbClr val="FFFFFF"/>
-        </a:buClr>
-        <a:buSzPct val="80000"/>
-        <a:buFont typeface="Lucida Grande" charset="0"/>
-        <a:buChar char="§"/>
-        <a:defRPr sz="2000">
-          <a:solidFill>
-            <a:srgbClr val="FFFFFF"/>
-          </a:solidFill>
-          <a:latin typeface="+mn-lt"/>
-          <a:ea typeface="+mn-ea"/>
-          <a:cs typeface="+mn-cs"/>
-          <a:sym typeface="Arial" charset="0"/>
-        </a:defRPr>
-      </a:lvl8pPr>
-      <a:lvl9pPr marL="3691668" indent="-205548" algn="l" rtl="0" eaLnBrk="1" fontAlgn="base" hangingPunct="1">
-        <a:spcBef>
-          <a:spcPts val="300"/>
-        </a:spcBef>
-        <a:spcAft>
-          <a:spcPct val="0"/>
-        </a:spcAft>
-        <a:buClr>
-          <a:srgbClr val="FFFFFF"/>
-        </a:buClr>
-        <a:buSzPct val="80000"/>
-        <a:buFont typeface="Lucida Grande" charset="0"/>
-        <a:buChar char="§"/>
-        <a:defRPr sz="2000">
-          <a:solidFill>
-            <a:srgbClr val="FFFFFF"/>
-          </a:solidFill>
-          <a:latin typeface="+mn-lt"/>
-          <a:ea typeface="+mn-ea"/>
-          <a:cs typeface="+mn-cs"/>
-          <a:sym typeface="Arial" charset="0"/>
-        </a:defRPr>
-      </a:lvl9pPr>
-    </p:bodyStyle>
-    <p:otherStyle>
-      <a:defPPr>
-        <a:defRPr lang="en-US"/>
-      </a:defPPr>
-      <a:lvl1pPr marL="0" algn="l" defTabSz="910669" rtl="0" eaLnBrk="1" latinLnBrk="0" hangingPunct="1">
-        <a:defRPr sz="1800" kern="1200">
-          <a:solidFill>
-            <a:schemeClr val="tx1"/>
-          </a:solidFill>
-          <a:latin typeface="+mn-lt"/>
-          <a:ea typeface="+mn-ea"/>
-          <a:cs typeface="+mn-cs"/>
-        </a:defRPr>
-      </a:lvl1pPr>
-      <a:lvl2pPr marL="455334" algn="l" defTabSz="910669" rtl="0" eaLnBrk="1" latinLnBrk="0" hangingPunct="1">
-        <a:defRPr sz="1800" kern="1200">
-          <a:solidFill>
-            <a:schemeClr val="tx1"/>
-          </a:solidFill>
-          <a:latin typeface="+mn-lt"/>
-          <a:ea typeface="+mn-ea"/>
-          <a:cs typeface="+mn-cs"/>
-        </a:defRPr>
-      </a:lvl2pPr>
-      <a:lvl3pPr marL="910669" algn="l" defTabSz="910669" rtl="0" eaLnBrk="1" latinLnBrk="0" hangingPunct="1">
-        <a:defRPr sz="1800" kern="1200">
-          <a:solidFill>
-            <a:schemeClr val="tx1"/>
-          </a:solidFill>
-          <a:latin typeface="+mn-lt"/>
-          <a:ea typeface="+mn-ea"/>
-          <a:cs typeface="+mn-cs"/>
-        </a:defRPr>
-      </a:lvl3pPr>
-      <a:lvl4pPr marL="1366000" algn="l" defTabSz="910669" rtl="0" eaLnBrk="1" latinLnBrk="0" hangingPunct="1">
-        <a:defRPr sz="1800" kern="1200">
-          <a:solidFill>
-            <a:schemeClr val="tx1"/>
-          </a:solidFill>
-          <a:latin typeface="+mn-lt"/>
-          <a:ea typeface="+mn-ea"/>
-          <a:cs typeface="+mn-cs"/>
-        </a:defRPr>
-      </a:lvl4pPr>
-      <a:lvl5pPr marL="1821335" algn="l" defTabSz="910669" rtl="0" eaLnBrk="1" latinLnBrk="0" hangingPunct="1">
-        <a:defRPr sz="1800" kern="1200">
-          <a:solidFill>
-            <a:schemeClr val="tx1"/>
-          </a:solidFill>
-          <a:latin typeface="+mn-lt"/>
-          <a:ea typeface="+mn-ea"/>
-          <a:cs typeface="+mn-cs"/>
-        </a:defRPr>
-      </a:lvl5pPr>
-      <a:lvl6pPr marL="2276666" algn="l" defTabSz="910669" rtl="0" eaLnBrk="1" latinLnBrk="0" hangingPunct="1">
-        <a:defRPr sz="1800" kern="1200">
-          <a:solidFill>
-            <a:schemeClr val="tx1"/>
-          </a:solidFill>
-          <a:latin typeface="+mn-lt"/>
-          <a:ea typeface="+mn-ea"/>
-          <a:cs typeface="+mn-cs"/>
-        </a:defRPr>
-      </a:lvl6pPr>
-      <a:lvl7pPr marL="2732002" algn="l" defTabSz="910669" rtl="0" eaLnBrk="1" latinLnBrk="0" hangingPunct="1">
-        <a:defRPr sz="1800" kern="1200">
-          <a:solidFill>
-            <a:schemeClr val="tx1"/>
-          </a:solidFill>
-          <a:latin typeface="+mn-lt"/>
-          <a:ea typeface="+mn-ea"/>
-          <a:cs typeface="+mn-cs"/>
-        </a:defRPr>
-      </a:lvl7pPr>
-      <a:lvl8pPr marL="3187327" algn="l" defTabSz="910669" rtl="0" eaLnBrk="1" latinLnBrk="0" hangingPunct="1">
-        <a:defRPr sz="1800" kern="1200">
-          <a:solidFill>
-            <a:schemeClr val="tx1"/>
-          </a:solidFill>
-          <a:latin typeface="+mn-lt"/>
-          <a:ea typeface="+mn-ea"/>
-          <a:cs typeface="+mn-cs"/>
-        </a:defRPr>
-      </a:lvl8pPr>
-      <a:lvl9pPr marL="3642661" algn="l" defTabSz="910669" rtl="0" eaLnBrk="1" latinLnBrk="0" hangingPunct="1">
-        <a:defRPr sz="1800" kern="1200">
-          <a:solidFill>
-            <a:schemeClr val="tx1"/>
-          </a:solidFill>
-          <a:latin typeface="+mn-lt"/>
-          <a:ea typeface="+mn-ea"/>
-          <a:cs typeface="+mn-cs"/>
-        </a:defRPr>
-      </a:lvl9pPr>
-    </p:otherStyle>
-  </p:txStyles>
-</p:sldMaster>
-</file>
-
-<file path=ppt/slideMasters/slideMaster2.xml><?xml version="1.0" encoding="utf-8"?>
-<p:sldMaster xmlns:a="http://schemas.openxmlformats.org/drawingml/2006/main" xmlns:r="http://schemas.openxmlformats.org/officeDocument/2006/relationships" xmlns:p="http://schemas.openxmlformats.org/presentationml/2006/main" preserve="1">
-  <p:cSld>
-    <p:bg>
-      <p:bgPr>
-        <a:solidFill>
-          <a:schemeClr val="bg1"/>
-        </a:solidFill>
-        <a:effectLst/>
-      </p:bgPr>
-    </p:bg>
-    <p:spTree>
-      <p:nvGrpSpPr>
-        <p:cNvPr id="1" name=""/>
-        <p:cNvGrpSpPr/>
-        <p:nvPr/>
-      </p:nvGrpSpPr>
-      <p:grpSpPr>
-        <a:xfrm>
-          <a:off x="0" y="0"/>
-          <a:ext cx="0" cy="0"/>
-          <a:chOff x="0" y="0"/>
-          <a:chExt cx="0" cy="0"/>
-        </a:xfrm>
-      </p:grpSpPr>
-      <p:sp>
-        <p:nvSpPr>
-          <p:cNvPr id="1026" name="Rectangle 1"/>
-          <p:cNvSpPr>
-            <a:spLocks noGrp="1" noChangeArrowheads="1"/>
-          </p:cNvSpPr>
-          <p:nvPr>
-            <p:ph type="title"/>
-          </p:nvPr>
-        </p:nvSpPr>
-        <p:spPr bwMode="auto">
-          <a:xfrm>
-            <a:off x="593725" y="364255"/>
-            <a:ext cx="11762080" cy="856532"/>
-          </a:xfrm>
-          <a:prstGeom prst="rect">
-            <a:avLst/>
-          </a:prstGeom>
-          <a:noFill/>
-          <a:ln w="12700">
-            <a:noFill/>
-            <a:miter lim="800000"/>
-            <a:headEnd/>
-            <a:tailEnd/>
-          </a:ln>
-        </p:spPr>
-        <p:txBody>
-          <a:bodyPr vert="horz" wrap="square" lIns="0" tIns="0" rIns="0" bIns="0" numCol="1" anchor="ctr" anchorCtr="0" compatLnSpc="1">
-            <a:prstTxWarp prst="textNoShape">
-              <a:avLst/>
-            </a:prstTxWarp>
-          </a:bodyPr>
-          <a:lstStyle/>
-          <a:p>
-            <a:pPr lvl="0"/>
-            <a:r>
-              <a:rPr lang="en-US" smtClean="0">
-                <a:sym typeface="Arial" pitchFamily="34" charset="0"/>
-              </a:rPr>
-              <a:t>Click to edit Master title style</a:t>
-            </a:r>
-            <a:endParaRPr lang="en-US" dirty="0" smtClean="0">
-              <a:sym typeface="Arial" pitchFamily="34" charset="0"/>
-            </a:endParaRPr>
-          </a:p>
-        </p:txBody>
-      </p:sp>
-      <p:sp>
-        <p:nvSpPr>
-          <p:cNvPr id="1027" name="Rectangle 2"/>
-          <p:cNvSpPr>
-            <a:spLocks noGrp="1" noChangeArrowheads="1"/>
-          </p:cNvSpPr>
-          <p:nvPr>
-            <p:ph type="body" idx="1"/>
-          </p:nvPr>
-        </p:nvSpPr>
-        <p:spPr bwMode="auto">
-          <a:xfrm>
-            <a:off x="593725" y="1373187"/>
-            <a:ext cx="11762080" cy="7472956"/>
-          </a:xfrm>
-          <a:prstGeom prst="rect">
-            <a:avLst/>
-          </a:prstGeom>
-          <a:noFill/>
-          <a:ln w="12700">
-            <a:noFill/>
-            <a:miter lim="800000"/>
-            <a:headEnd/>
-            <a:tailEnd/>
-          </a:ln>
-        </p:spPr>
-        <p:txBody>
-          <a:bodyPr vert="horz" wrap="square" lIns="0" tIns="0" rIns="0" bIns="0" numCol="1" anchor="t" anchorCtr="0" compatLnSpc="1">
-            <a:prstTxWarp prst="textNoShape">
-              <a:avLst/>
-            </a:prstTxWarp>
-          </a:bodyPr>
-          <a:lstStyle/>
-          <a:p>
-            <a:pPr lvl="0"/>
-            <a:r>
-              <a:rPr lang="en-US" smtClean="0">
-                <a:sym typeface="Arial" pitchFamily="34" charset="0"/>
-              </a:rPr>
-              <a:t>Click to edit Master text styles</a:t>
-            </a:r>
-          </a:p>
-          <a:p>
-            <a:pPr lvl="1"/>
-            <a:r>
-              <a:rPr lang="en-US" smtClean="0">
-                <a:sym typeface="Arial" pitchFamily="34" charset="0"/>
-              </a:rPr>
-              <a:t>Second level</a:t>
-            </a:r>
-          </a:p>
-          <a:p>
-            <a:pPr lvl="2"/>
-            <a:r>
-              <a:rPr lang="en-US" smtClean="0">
-                <a:sym typeface="Arial" pitchFamily="34" charset="0"/>
-              </a:rPr>
-              <a:t>Third level</a:t>
-            </a:r>
-          </a:p>
-          <a:p>
-            <a:pPr lvl="3"/>
-            <a:r>
-              <a:rPr lang="en-US" smtClean="0">
-                <a:sym typeface="Arial" pitchFamily="34" charset="0"/>
-              </a:rPr>
-              <a:t>Fourth level</a:t>
-            </a:r>
-          </a:p>
-          <a:p>
-            <a:pPr lvl="4"/>
-            <a:r>
-              <a:rPr lang="en-US" smtClean="0">
-                <a:sym typeface="Arial" pitchFamily="34" charset="0"/>
-              </a:rPr>
-              <a:t>Fifth level</a:t>
-            </a:r>
-            <a:endParaRPr lang="en-US" dirty="0" smtClean="0">
-              <a:sym typeface="Arial" pitchFamily="34" charset="0"/>
-            </a:endParaRPr>
-          </a:p>
-        </p:txBody>
-      </p:sp>
-      <p:pic>
-        <p:nvPicPr>
-          <p:cNvPr id="4" name="Picture 2"/>
-          <p:cNvPicPr>
-            <a:picLocks noChangeAspect="1" noChangeArrowheads="1"/>
-          </p:cNvPicPr>
-          <p:nvPr/>
-        </p:nvPicPr>
-        <p:blipFill>
-          <a:blip r:embed="rId5" cstate="print"/>
-          <a:srcRect/>
-          <a:stretch>
-            <a:fillRect/>
-          </a:stretch>
-        </p:blipFill>
-        <p:spPr bwMode="auto">
-          <a:xfrm>
-            <a:off x="2" y="8994775"/>
-            <a:ext cx="13017500" cy="765176"/>
-          </a:xfrm>
-          <a:prstGeom prst="rect">
-            <a:avLst/>
-          </a:prstGeom>
-          <a:noFill/>
-          <a:ln w="12700">
-            <a:noFill/>
-            <a:miter lim="800000"/>
-            <a:headEnd/>
-            <a:tailEnd/>
-          </a:ln>
-        </p:spPr>
-      </p:pic>
-      <p:sp>
-        <p:nvSpPr>
-          <p:cNvPr id="5" name="Text Box 76"/>
-          <p:cNvSpPr txBox="1">
-            <a:spLocks noChangeArrowheads="1"/>
-          </p:cNvSpPr>
-          <p:nvPr/>
-        </p:nvSpPr>
-        <p:spPr bwMode="white">
-          <a:xfrm>
-            <a:off x="590550" y="9269526"/>
-            <a:ext cx="2898774" cy="200025"/>
-          </a:xfrm>
-          <a:prstGeom prst="rect">
-            <a:avLst/>
-          </a:prstGeom>
-          <a:noFill/>
-          <a:ln w="9525">
-            <a:noFill/>
-            <a:miter lim="800000"/>
-            <a:headEnd/>
-            <a:tailEnd/>
-          </a:ln>
-          <a:effectLst/>
-        </p:spPr>
-        <p:txBody>
-          <a:bodyPr lIns="0" tIns="0" rIns="0" bIns="0" anchor="ctr"/>
-          <a:lstStyle/>
-          <a:p>
-            <a:pPr defTabSz="1294318" eaLnBrk="0" hangingPunct="0">
-              <a:defRPr/>
-            </a:pPr>
-            <a:r>
-              <a:rPr lang="en-US" sz="900" baseline="0" dirty="0">
-                <a:solidFill>
-                  <a:srgbClr val="969696"/>
-                </a:solidFill>
-              </a:rPr>
-              <a:t>© </a:t>
-            </a:r>
-            <a:r>
-              <a:rPr lang="en-US" sz="900" baseline="0" dirty="0" smtClean="0">
-                <a:solidFill>
-                  <a:srgbClr val="969696"/>
-                </a:solidFill>
-              </a:rPr>
-              <a:t>2013 Autodesk </a:t>
-            </a:r>
-            <a:endParaRPr lang="en-US" sz="900" baseline="0" dirty="0">
-              <a:solidFill>
-                <a:srgbClr val="969696"/>
-              </a:solidFill>
-            </a:endParaRPr>
-          </a:p>
-        </p:txBody>
-      </p:sp>
-      <p:sp>
-        <p:nvSpPr>
-          <p:cNvPr id="6" name="TextBox 5"/>
-          <p:cNvSpPr txBox="1"/>
-          <p:nvPr userDrawn="1"/>
-        </p:nvSpPr>
-        <p:spPr>
-          <a:xfrm>
-            <a:off x="5631665" y="9221787"/>
-            <a:ext cx="1290610" cy="338554"/>
-          </a:xfrm>
-          <a:prstGeom prst="rect">
-            <a:avLst/>
-          </a:prstGeom>
-          <a:noFill/>
-        </p:spPr>
-        <p:txBody>
-          <a:bodyPr wrap="none" rtlCol="0">
-            <a:spAutoFit/>
-          </a:bodyPr>
-          <a:lstStyle/>
-          <a:p>
-            <a:r>
-              <a:rPr lang="en-US" sz="1600" err="1" smtClean="0">
+              <a:rPr lang="en-US" sz="1600" dirty="0" smtClean="0">
                 <a:solidFill>
                   <a:schemeClr val="bg1"/>
                 </a:solidFill>
               </a:rPr>
-              <a:t>Revit</a:t>
-            </a:r>
-            <a:r>
-              <a:rPr lang="en-US" sz="1600" smtClean="0">
-                <a:solidFill>
-                  <a:schemeClr val="bg1"/>
-                </a:solidFill>
-              </a:rPr>
-              <a:t> UI </a:t>
-            </a:r>
-            <a:r>
-              <a:rPr lang="en-US" sz="1600" dirty="0" smtClean="0">
-                <a:solidFill>
-                  <a:schemeClr val="bg1"/>
-                </a:solidFill>
-              </a:rPr>
-              <a:t>API</a:t>
-            </a:r>
-            <a:endParaRPr lang="en-US" sz="1600" i="1" dirty="0">
+              <a:t>Introduction to Revit Programming</a:t>
+            </a:r>
+            <a:endParaRPr lang="en-US" sz="1600" i="1" dirty="0" smtClean="0">
               <a:solidFill>
                 <a:schemeClr val="bg1"/>
               </a:solidFill>
@@ -9044,14 +8007,26 @@
         </p:txBody>
       </p:sp>
     </p:spTree>
+    <p:extLst>
+      <p:ext uri="{BB962C8B-B14F-4D97-AF65-F5344CB8AC3E}">
+        <p14:creationId xmlns:p14="http://schemas.microsoft.com/office/powerpoint/2010/main" val="2268667557"/>
+      </p:ext>
+    </p:extLst>
   </p:cSld>
   <p:clrMap bg1="lt1" tx1="dk1" bg2="lt2" tx2="dk2" accent1="accent1" accent2="accent2" accent3="accent3" accent4="accent4" accent5="accent5" accent6="accent6" hlink="hlink" folHlink="folHlink"/>
   <p:sldLayoutIdLst>
-    <p:sldLayoutId id="2147483688" r:id="rId1"/>
-    <p:sldLayoutId id="2147483689" r:id="rId2"/>
-    <p:sldLayoutId id="2147483690" r:id="rId3"/>
+    <p:sldLayoutId id="2147483694" r:id="rId1"/>
+    <p:sldLayoutId id="2147483695" r:id="rId2"/>
+    <p:sldLayoutId id="2147483696" r:id="rId3"/>
   </p:sldLayoutIdLst>
   <p:transition/>
+  <p:timing>
+    <p:tnLst>
+      <p:par>
+        <p:cTn id="1" dur="indefinite" restart="never" nodeType="tmRoot"/>
+      </p:par>
+    </p:tnLst>
+  </p:timing>
   <p:txStyles>
     <p:titleStyle>
       <a:lvl1pPr algn="l" rtl="0" eaLnBrk="1" fontAlgn="base" hangingPunct="1">
@@ -9221,8 +8196,8 @@
         </a:buClr>
         <a:buSzPct val="80000"/>
         <a:buFont typeface="Wingdings" pitchFamily="2" charset="2"/>
-        <a:buNone/>
-        <a:defRPr sz="3200">
+        <a:buChar char="§"/>
+        <a:defRPr sz="3100">
           <a:solidFill>
             <a:schemeClr val="tx1"/>
           </a:solidFill>
@@ -9234,7 +8209,7 @@
       </a:lvl1pPr>
       <a:lvl2pPr marL="565764" indent="-282894" algn="l" rtl="0" eaLnBrk="1" fontAlgn="base" hangingPunct="1">
         <a:spcBef>
-          <a:spcPts val="0"/>
+          <a:spcPts val="499"/>
         </a:spcBef>
         <a:spcAft>
           <a:spcPct val="0"/>
@@ -9257,7 +8232,7 @@
       </a:lvl2pPr>
       <a:lvl3pPr marL="905557" indent="-254449" algn="l" rtl="0" eaLnBrk="1" fontAlgn="base" hangingPunct="1">
         <a:spcBef>
-          <a:spcPts val="0"/>
+          <a:spcPts val="400"/>
         </a:spcBef>
         <a:spcAft>
           <a:spcPct val="0"/>
@@ -9280,7 +8255,7 @@
       </a:lvl3pPr>
       <a:lvl4pPr marL="1416026" indent="-227575" algn="l" rtl="0" eaLnBrk="1" fontAlgn="base" hangingPunct="1">
         <a:spcBef>
-          <a:spcPts val="0"/>
+          <a:spcPts val="300"/>
         </a:spcBef>
         <a:spcAft>
           <a:spcPct val="0"/>
@@ -9291,7 +8266,7 @@
         <a:buSzPct val="80000"/>
         <a:buFont typeface="Wingdings" pitchFamily="2" charset="2"/>
         <a:buChar char="§"/>
-        <a:defRPr sz="2000">
+        <a:defRPr sz="2100">
           <a:solidFill>
             <a:schemeClr val="tx1"/>
           </a:solidFill>
@@ -9303,7 +8278,7 @@
       </a:lvl4pPr>
       <a:lvl5pPr marL="1869592" indent="-205464" algn="l" rtl="0" eaLnBrk="1" fontAlgn="base" hangingPunct="1">
         <a:spcBef>
-          <a:spcPts val="0"/>
+          <a:spcPts val="300"/>
         </a:spcBef>
         <a:spcAft>
           <a:spcPct val="0"/>
@@ -9562,7 +8537,7 @@
             <a:avLst/>
           </a:prstGeom>
           <a:solidFill>
-            <a:schemeClr val="bg1">
+            <a:schemeClr val="tx1">
               <a:alpha val="50000"/>
             </a:schemeClr>
           </a:solidFill>
@@ -9584,7 +8559,7 @@
           <a:lstStyle/>
           <a:p>
             <a:pPr algn="ctr" defTabSz="910302"/>
-            <a:endParaRPr lang="en-US" sz="3100" dirty="0" smtClean="0">
+            <a:endParaRPr lang="en-US" sz="3100" dirty="0">
               <a:solidFill>
                 <a:srgbClr val="000000"/>
               </a:solidFill>
@@ -9617,11 +8592,19 @@
           <a:lstStyle/>
           <a:p>
             <a:r>
-              <a:rPr lang="en-US" sz="5400" dirty="0" err="1" smtClean="0"/>
+              <a:rPr lang="en-US" sz="5400" dirty="0" err="1" smtClean="0">
+                <a:solidFill>
+                  <a:schemeClr val="bg1"/>
+                </a:solidFill>
+              </a:rPr>
               <a:t>Revit</a:t>
             </a:r>
             <a:r>
-              <a:rPr lang="en-US" sz="5400" dirty="0" smtClean="0"/>
+              <a:rPr lang="en-US" sz="5400" dirty="0" smtClean="0">
+                <a:solidFill>
+                  <a:schemeClr val="bg1"/>
+                </a:solidFill>
+              </a:rPr>
               <a:t> UI API</a:t>
             </a:r>
           </a:p>
@@ -9654,10 +8637,18 @@
               <a:buNone/>
             </a:pPr>
             <a:r>
-              <a:rPr lang="en-US" i="1" dirty="0" smtClean="0"/>
+              <a:rPr lang="en-US" i="1" dirty="0" smtClean="0">
+                <a:solidFill>
+                  <a:schemeClr val="bg1"/>
+                </a:solidFill>
+              </a:rPr>
               <a:t> </a:t>
             </a:r>
-            <a:endParaRPr lang="en-US" sz="2400" i="1" dirty="0" smtClean="0"/>
+            <a:endParaRPr lang="en-US" sz="2400" i="1" dirty="0" smtClean="0">
+              <a:solidFill>
+                <a:schemeClr val="bg1"/>
+              </a:solidFill>
+            </a:endParaRPr>
           </a:p>
           <a:p>
             <a:pPr marL="0" indent="0">
@@ -9667,7 +8658,11 @@
               <a:buNone/>
             </a:pPr>
             <a:r>
-              <a:rPr lang="en-US" sz="2400" i="1" dirty="0" smtClean="0"/>
+              <a:rPr lang="en-US" sz="2400" i="1" dirty="0" smtClean="0">
+                <a:solidFill>
+                  <a:schemeClr val="bg1"/>
+                </a:solidFill>
+              </a:rPr>
               <a:t>Developer Technical Services </a:t>
             </a:r>
           </a:p>
@@ -17152,12 +16147,7 @@
             <p:ph type="title"/>
           </p:nvPr>
         </p:nvSpPr>
-        <p:spPr>
-          <a:xfrm>
-            <a:off x="593725" y="364255"/>
-            <a:ext cx="11762080" cy="856532"/>
-          </a:xfrm>
-        </p:spPr>
+        <p:spPr/>
         <p:txBody>
           <a:bodyPr/>
           <a:lstStyle/>
@@ -19803,7 +18793,6 @@
               <a:rPr lang="en-GB" dirty="0" smtClean="0"/>
               <a:t>Developer Resources for Revit API</a:t>
             </a:r>
-            <a:endParaRPr lang="en-GB" dirty="0" smtClean="0"/>
           </a:p>
           <a:p>
             <a:pPr lvl="1">
@@ -19912,13 +18901,7 @@
               <a:rPr lang="en-GB" sz="2000" noProof="1" smtClean="0">
                 <a:hlinkClick r:id="rId6"/>
               </a:rPr>
-              <a:t>http://</a:t>
-            </a:r>
-            <a:r>
-              <a:rPr lang="en-GB" sz="2000" noProof="1" smtClean="0">
-                <a:hlinkClick r:id="rId6"/>
-              </a:rPr>
-              <a:t>thebuildingcoder.typepad.com</a:t>
+              <a:t>http://thebuildingcoder.typepad.com</a:t>
             </a:r>
             <a:endParaRPr lang="en-GB" sz="2000" noProof="1" smtClean="0"/>
           </a:p>
@@ -19931,11 +18914,7 @@
             </a:pPr>
             <a:r>
               <a:rPr lang="en-GB" noProof="1"/>
-              <a:t>ADN AEC </a:t>
-            </a:r>
-            <a:r>
-              <a:rPr lang="en-GB" noProof="1"/>
-              <a:t>Developer </a:t>
+              <a:t>ADN AEC Developer </a:t>
             </a:r>
             <a:r>
               <a:rPr lang="en-GB" noProof="1" smtClean="0"/>
@@ -20010,11 +18989,7 @@
             </a:pPr>
             <a:r>
               <a:rPr lang="en-GB" dirty="0" smtClean="0"/>
-              <a:t>Autodesk </a:t>
-            </a:r>
-            <a:r>
-              <a:rPr lang="en-GB" dirty="0" smtClean="0"/>
-              <a:t>Developer Network</a:t>
+              <a:t>Autodesk Developer Network</a:t>
             </a:r>
           </a:p>
           <a:p>
@@ -20168,112 +19143,17 @@
           <a:chExt cx="0" cy="0"/>
         </a:xfrm>
       </p:grpSpPr>
-      <p:sp>
-        <p:nvSpPr>
-          <p:cNvPr id="148482" name="Rectangle 23"/>
-          <p:cNvSpPr>
-            <a:spLocks noChangeArrowheads="1"/>
-          </p:cNvSpPr>
-          <p:nvPr/>
-        </p:nvSpPr>
-        <p:spPr bwMode="auto">
-          <a:xfrm>
-            <a:off x="1" y="1"/>
-            <a:ext cx="13011150" cy="9756775"/>
-          </a:xfrm>
-          <a:prstGeom prst="rect">
-            <a:avLst/>
-          </a:prstGeom>
-          <a:solidFill>
-            <a:schemeClr val="tx1"/>
-          </a:solidFill>
-          <a:ln w="9525">
-            <a:noFill/>
-            <a:miter lim="800000"/>
-            <a:headEnd/>
-            <a:tailEnd/>
-          </a:ln>
-        </p:spPr>
-        <p:txBody>
-          <a:bodyPr wrap="none" lIns="130022" tIns="65012" rIns="130022" bIns="65012" anchor="ctr"/>
-          <a:lstStyle/>
-          <a:p>
-            <a:endParaRPr lang="en-GB"/>
-          </a:p>
-        </p:txBody>
-      </p:sp>
-      <p:pic>
-        <p:nvPicPr>
-          <p:cNvPr id="148483" name="Picture 33" descr="PPT_LOGO_3b"/>
-          <p:cNvPicPr>
-            <a:picLocks noChangeAspect="1" noChangeArrowheads="1"/>
-          </p:cNvPicPr>
-          <p:nvPr/>
-        </p:nvPicPr>
-        <p:blipFill>
-          <a:blip r:embed="rId3" cstate="print"/>
-          <a:stretch>
-            <a:fillRect/>
-          </a:stretch>
-        </p:blipFill>
-        <p:spPr bwMode="auto">
-          <a:xfrm>
-            <a:off x="0" y="3478153"/>
-            <a:ext cx="12996168" cy="2272942"/>
-          </a:xfrm>
-          <a:prstGeom prst="rect">
-            <a:avLst/>
-          </a:prstGeom>
-          <a:noFill/>
-          <a:ln>
-            <a:noFill/>
-          </a:ln>
-        </p:spPr>
-      </p:pic>
-      <p:sp>
-        <p:nvSpPr>
-          <p:cNvPr id="4" name="Title 3"/>
-          <p:cNvSpPr>
-            <a:spLocks noGrp="1"/>
-          </p:cNvSpPr>
-          <p:nvPr>
-            <p:ph type="title"/>
-          </p:nvPr>
-        </p:nvSpPr>
-        <p:spPr/>
-        <p:txBody>
-          <a:bodyPr/>
-          <a:lstStyle/>
-          <a:p>
-            <a:r>
-              <a:rPr lang="en-GB" smtClean="0">
-                <a:solidFill>
-                  <a:schemeClr val="tx1"/>
-                </a:solidFill>
-              </a:rPr>
-              <a:t>End of Presentation</a:t>
-            </a:r>
-            <a:endParaRPr lang="en-GB">
-              <a:solidFill>
-                <a:schemeClr val="tx1"/>
-              </a:solidFill>
-            </a:endParaRPr>
-          </a:p>
-        </p:txBody>
-      </p:sp>
     </p:spTree>
+    <p:extLst>
+      <p:ext uri="{BB962C8B-B14F-4D97-AF65-F5344CB8AC3E}">
+        <p14:creationId xmlns:p14="http://schemas.microsoft.com/office/powerpoint/2010/main" val="2079826406"/>
+      </p:ext>
+    </p:extLst>
   </p:cSld>
   <p:clrMapOvr>
     <a:masterClrMapping/>
   </p:clrMapOvr>
   <p:transition/>
-  <p:timing>
-    <p:tnLst>
-      <p:par>
-        <p:cTn id="1" dur="indefinite" restart="never" nodeType="tmRoot"/>
-      </p:par>
-    </p:tnLst>
-  </p:timing>
 </p:sld>
 </file>
 
@@ -21443,405 +20323,7 @@
 </file>
 
 <file path=ppt/theme/theme1.xml><?xml version="1.0" encoding="utf-8"?>
-<a:theme xmlns:a="http://schemas.openxmlformats.org/drawingml/2006/main" name="ADSK_Dark">
-  <a:themeElements>
-    <a:clrScheme name="ADSK_COLORS">
-      <a:dk1>
-        <a:srgbClr val="000000"/>
-      </a:dk1>
-      <a:lt1>
-        <a:srgbClr val="FFFFFF"/>
-      </a:lt1>
-      <a:dk2>
-        <a:srgbClr val="000000"/>
-      </a:dk2>
-      <a:lt2>
-        <a:srgbClr val="FFFFFF"/>
-      </a:lt2>
-      <a:accent1>
-        <a:srgbClr val="FFAA00"/>
-      </a:accent1>
-      <a:accent2>
-        <a:srgbClr val="EE5500"/>
-      </a:accent2>
-      <a:accent3>
-        <a:srgbClr val="DD0000"/>
-      </a:accent3>
-      <a:accent4>
-        <a:srgbClr val="004282"/>
-      </a:accent4>
-      <a:accent5>
-        <a:srgbClr val="993388"/>
-      </a:accent5>
-      <a:accent6>
-        <a:srgbClr val="118888"/>
-      </a:accent6>
-      <a:hlink>
-        <a:srgbClr val="00B0F0"/>
-      </a:hlink>
-      <a:folHlink>
-        <a:srgbClr val="993388"/>
-      </a:folHlink>
-    </a:clrScheme>
-    <a:fontScheme name="ADSK_FONTS">
-      <a:majorFont>
-        <a:latin typeface="Arial"/>
-        <a:ea typeface=""/>
-        <a:cs typeface=""/>
-      </a:majorFont>
-      <a:minorFont>
-        <a:latin typeface="Arial"/>
-        <a:ea typeface=""/>
-        <a:cs typeface=""/>
-      </a:minorFont>
-    </a:fontScheme>
-    <a:fmtScheme name="Office">
-      <a:fillStyleLst>
-        <a:solidFill>
-          <a:schemeClr val="phClr"/>
-        </a:solidFill>
-        <a:gradFill rotWithShape="1">
-          <a:gsLst>
-            <a:gs pos="0">
-              <a:schemeClr val="phClr">
-                <a:tint val="50000"/>
-                <a:satMod val="300000"/>
-              </a:schemeClr>
-            </a:gs>
-            <a:gs pos="35000">
-              <a:schemeClr val="phClr">
-                <a:tint val="37000"/>
-                <a:satMod val="300000"/>
-              </a:schemeClr>
-            </a:gs>
-            <a:gs pos="100000">
-              <a:schemeClr val="phClr">
-                <a:tint val="15000"/>
-                <a:satMod val="350000"/>
-              </a:schemeClr>
-            </a:gs>
-          </a:gsLst>
-          <a:lin ang="16200000" scaled="1"/>
-        </a:gradFill>
-        <a:gradFill rotWithShape="1">
-          <a:gsLst>
-            <a:gs pos="0">
-              <a:schemeClr val="phClr">
-                <a:shade val="51000"/>
-                <a:satMod val="130000"/>
-              </a:schemeClr>
-            </a:gs>
-            <a:gs pos="80000">
-              <a:schemeClr val="phClr">
-                <a:shade val="93000"/>
-                <a:satMod val="130000"/>
-              </a:schemeClr>
-            </a:gs>
-            <a:gs pos="100000">
-              <a:schemeClr val="phClr">
-                <a:shade val="94000"/>
-                <a:satMod val="135000"/>
-              </a:schemeClr>
-            </a:gs>
-          </a:gsLst>
-          <a:lin ang="16200000" scaled="0"/>
-        </a:gradFill>
-      </a:fillStyleLst>
-      <a:lnStyleLst>
-        <a:ln w="9525" cap="flat" cmpd="sng" algn="ctr">
-          <a:solidFill>
-            <a:schemeClr val="phClr">
-              <a:shade val="95000"/>
-              <a:satMod val="105000"/>
-            </a:schemeClr>
-          </a:solidFill>
-          <a:prstDash val="solid"/>
-        </a:ln>
-        <a:ln w="25400" cap="flat" cmpd="sng" algn="ctr">
-          <a:solidFill>
-            <a:schemeClr val="phClr"/>
-          </a:solidFill>
-          <a:prstDash val="solid"/>
-        </a:ln>
-        <a:ln w="38100" cap="flat" cmpd="sng" algn="ctr">
-          <a:solidFill>
-            <a:schemeClr val="phClr"/>
-          </a:solidFill>
-          <a:prstDash val="solid"/>
-        </a:ln>
-      </a:lnStyleLst>
-      <a:effectStyleLst>
-        <a:effectStyle>
-          <a:effectLst>
-            <a:outerShdw blurRad="40000" dist="20000" dir="5400000" rotWithShape="0">
-              <a:srgbClr val="000000">
-                <a:alpha val="38000"/>
-              </a:srgbClr>
-            </a:outerShdw>
-          </a:effectLst>
-        </a:effectStyle>
-        <a:effectStyle>
-          <a:effectLst>
-            <a:outerShdw blurRad="40000" dist="23000" dir="5400000" rotWithShape="0">
-              <a:srgbClr val="000000">
-                <a:alpha val="35000"/>
-              </a:srgbClr>
-            </a:outerShdw>
-          </a:effectLst>
-        </a:effectStyle>
-        <a:effectStyle>
-          <a:effectLst>
-            <a:outerShdw blurRad="40000" dist="23000" dir="5400000" rotWithShape="0">
-              <a:srgbClr val="000000">
-                <a:alpha val="35000"/>
-              </a:srgbClr>
-            </a:outerShdw>
-          </a:effectLst>
-          <a:scene3d>
-            <a:camera prst="orthographicFront">
-              <a:rot lat="0" lon="0" rev="0"/>
-            </a:camera>
-            <a:lightRig rig="threePt" dir="t">
-              <a:rot lat="0" lon="0" rev="1200000"/>
-            </a:lightRig>
-          </a:scene3d>
-          <a:sp3d>
-            <a:bevelT w="63500" h="25400"/>
-          </a:sp3d>
-        </a:effectStyle>
-      </a:effectStyleLst>
-      <a:bgFillStyleLst>
-        <a:solidFill>
-          <a:schemeClr val="phClr"/>
-        </a:solidFill>
-        <a:gradFill rotWithShape="1">
-          <a:gsLst>
-            <a:gs pos="0">
-              <a:schemeClr val="phClr">
-                <a:tint val="40000"/>
-                <a:satMod val="350000"/>
-              </a:schemeClr>
-            </a:gs>
-            <a:gs pos="40000">
-              <a:schemeClr val="phClr">
-                <a:tint val="45000"/>
-                <a:shade val="99000"/>
-                <a:satMod val="350000"/>
-              </a:schemeClr>
-            </a:gs>
-            <a:gs pos="100000">
-              <a:schemeClr val="phClr">
-                <a:shade val="20000"/>
-                <a:satMod val="255000"/>
-              </a:schemeClr>
-            </a:gs>
-          </a:gsLst>
-          <a:path path="circle">
-            <a:fillToRect l="50000" t="-80000" r="50000" b="180000"/>
-          </a:path>
-        </a:gradFill>
-        <a:gradFill rotWithShape="1">
-          <a:gsLst>
-            <a:gs pos="0">
-              <a:schemeClr val="phClr">
-                <a:tint val="80000"/>
-                <a:satMod val="300000"/>
-              </a:schemeClr>
-            </a:gs>
-            <a:gs pos="100000">
-              <a:schemeClr val="phClr">
-                <a:shade val="30000"/>
-                <a:satMod val="200000"/>
-              </a:schemeClr>
-            </a:gs>
-          </a:gsLst>
-          <a:path path="circle">
-            <a:fillToRect l="50000" t="50000" r="50000" b="50000"/>
-          </a:path>
-        </a:gradFill>
-      </a:bgFillStyleLst>
-    </a:fmtScheme>
-  </a:themeElements>
-  <a:objectDefaults>
-    <a:spDef>
-      <a:spPr bwMode="auto">
-        <a:xfrm>
-          <a:off x="0" y="0"/>
-          <a:ext cx="1" cy="1"/>
-        </a:xfrm>
-        <a:custGeom>
-          <a:avLst/>
-          <a:gdLst/>
-          <a:ahLst/>
-          <a:cxnLst/>
-          <a:rect l="0" t="0" r="0" b="0"/>
-          <a:pathLst/>
-        </a:custGeom>
-        <a:solidFill>
-          <a:schemeClr val="accent1"/>
-        </a:solidFill>
-        <a:ln w="25400" cap="flat" cmpd="sng" algn="ctr">
-          <a:solidFill>
-            <a:srgbClr val="000000"/>
-          </a:solidFill>
-          <a:prstDash val="solid"/>
-          <a:round/>
-          <a:headEnd type="none" w="med" len="med"/>
-          <a:tailEnd type="none" w="med" len="med"/>
-        </a:ln>
-        <a:effectLst/>
-      </a:spPr>
-      <a:bodyPr vert="horz" wrap="square" lIns="91440" tIns="45720" rIns="91440" bIns="45720" numCol="1" anchor="t" anchorCtr="0" compatLnSpc="1">
-        <a:prstTxWarp prst="textNoShape">
-          <a:avLst/>
-        </a:prstTxWarp>
-      </a:bodyPr>
-      <a:lstStyle>
-        <a:defPPr marL="0" marR="0" indent="0" algn="ctr" defTabSz="914400" rtl="0" eaLnBrk="1" fontAlgn="base" latinLnBrk="0" hangingPunct="1">
-          <a:lnSpc>
-            <a:spcPct val="100000"/>
-          </a:lnSpc>
-          <a:spcBef>
-            <a:spcPct val="0"/>
-          </a:spcBef>
-          <a:spcAft>
-            <a:spcPct val="0"/>
-          </a:spcAft>
-          <a:buClrTx/>
-          <a:buSzTx/>
-          <a:buFontTx/>
-          <a:buNone/>
-          <a:tabLst/>
-          <a:defRPr kumimoji="0" lang="en-US" sz="3200" b="0" i="0" u="none" strike="noStrike" cap="none" normalizeH="0" baseline="0" smtClean="0">
-            <a:ln>
-              <a:noFill/>
-            </a:ln>
-            <a:solidFill>
-              <a:srgbClr val="000000"/>
-            </a:solidFill>
-            <a:effectLst/>
-            <a:latin typeface="Gill Sans" charset="0"/>
-            <a:ea typeface="ヒラギノ角ゴ Pro W3" charset="0"/>
-            <a:cs typeface="ヒラギノ角ゴ Pro W3" charset="0"/>
-            <a:sym typeface="Gill Sans" charset="0"/>
-          </a:defRPr>
-        </a:defPPr>
-      </a:lstStyle>
-    </a:spDef>
-    <a:lnDef>
-      <a:spPr bwMode="auto">
-        <a:xfrm>
-          <a:off x="0" y="0"/>
-          <a:ext cx="1" cy="1"/>
-        </a:xfrm>
-        <a:custGeom>
-          <a:avLst/>
-          <a:gdLst/>
-          <a:ahLst/>
-          <a:cxnLst/>
-          <a:rect l="0" t="0" r="0" b="0"/>
-          <a:pathLst/>
-        </a:custGeom>
-        <a:solidFill>
-          <a:schemeClr val="accent1"/>
-        </a:solidFill>
-        <a:ln w="25400" cap="flat" cmpd="sng" algn="ctr">
-          <a:solidFill>
-            <a:srgbClr val="000000"/>
-          </a:solidFill>
-          <a:prstDash val="solid"/>
-          <a:round/>
-          <a:headEnd type="none" w="med" len="med"/>
-          <a:tailEnd type="none" w="med" len="med"/>
-        </a:ln>
-        <a:effectLst/>
-      </a:spPr>
-      <a:bodyPr vert="horz" wrap="square" lIns="91440" tIns="45720" rIns="91440" bIns="45720" numCol="1" anchor="t" anchorCtr="0" compatLnSpc="1">
-        <a:prstTxWarp prst="textNoShape">
-          <a:avLst/>
-        </a:prstTxWarp>
-      </a:bodyPr>
-      <a:lstStyle>
-        <a:defPPr marL="0" marR="0" indent="0" algn="ctr" defTabSz="914400" rtl="0" eaLnBrk="1" fontAlgn="base" latinLnBrk="0" hangingPunct="1">
-          <a:lnSpc>
-            <a:spcPct val="100000"/>
-          </a:lnSpc>
-          <a:spcBef>
-            <a:spcPct val="0"/>
-          </a:spcBef>
-          <a:spcAft>
-            <a:spcPct val="0"/>
-          </a:spcAft>
-          <a:buClrTx/>
-          <a:buSzTx/>
-          <a:buFontTx/>
-          <a:buNone/>
-          <a:tabLst/>
-          <a:defRPr kumimoji="0" lang="en-US" sz="3200" b="0" i="0" u="none" strike="noStrike" cap="none" normalizeH="0" baseline="0" smtClean="0">
-            <a:ln>
-              <a:noFill/>
-            </a:ln>
-            <a:solidFill>
-              <a:srgbClr val="000000"/>
-            </a:solidFill>
-            <a:effectLst/>
-            <a:latin typeface="Gill Sans" charset="0"/>
-            <a:ea typeface="ヒラギノ角ゴ Pro W3" charset="0"/>
-            <a:cs typeface="ヒラギノ角ゴ Pro W3" charset="0"/>
-            <a:sym typeface="Gill Sans" charset="0"/>
-          </a:defRPr>
-        </a:defPPr>
-      </a:lstStyle>
-    </a:lnDef>
-  </a:objectDefaults>
-  <a:extraClrSchemeLst>
-    <a:extraClrScheme>
-      <a:clrScheme name="Default - Title and Content 1">
-        <a:dk1>
-          <a:srgbClr val="000000"/>
-        </a:dk1>
-        <a:lt1>
-          <a:srgbClr val="FFFFFF"/>
-        </a:lt1>
-        <a:dk2>
-          <a:srgbClr val="000000"/>
-        </a:dk2>
-        <a:lt2>
-          <a:srgbClr val="808080"/>
-        </a:lt2>
-        <a:accent1>
-          <a:srgbClr val="BBE0E3"/>
-        </a:accent1>
-        <a:accent2>
-          <a:srgbClr val="333399"/>
-        </a:accent2>
-        <a:accent3>
-          <a:srgbClr val="FFFFFF"/>
-        </a:accent3>
-        <a:accent4>
-          <a:srgbClr val="000000"/>
-        </a:accent4>
-        <a:accent5>
-          <a:srgbClr val="DAEDEF"/>
-        </a:accent5>
-        <a:accent6>
-          <a:srgbClr val="2D2D8A"/>
-        </a:accent6>
-        <a:hlink>
-          <a:srgbClr val="009999"/>
-        </a:hlink>
-        <a:folHlink>
-          <a:srgbClr val="99CC00"/>
-        </a:folHlink>
-      </a:clrScheme>
-      <a:clrMap bg1="lt1" tx1="dk1" bg2="lt2" tx2="dk2" accent1="accent1" accent2="accent2" accent3="accent3" accent4="accent4" accent5="accent5" accent6="accent6" hlink="hlink" folHlink="folHlink"/>
-    </a:extraClrScheme>
-  </a:extraClrSchemeLst>
-</a:theme>
-</file>
-
-<file path=ppt/theme/theme2.xml><?xml version="1.0" encoding="utf-8"?>
-<a:theme xmlns:a="http://schemas.openxmlformats.org/drawingml/2006/main" name="ADSK_White">
+<a:theme xmlns:a="http://schemas.openxmlformats.org/drawingml/2006/main" name="1_ADSK_White">
   <a:themeElements>
     <a:clrScheme name="ADSK_COLORS">
       <a:dk1>
@@ -22238,6 +20720,289 @@
 </a:theme>
 </file>
 
+<file path=ppt/theme/theme2.xml><?xml version="1.0" encoding="utf-8"?>
+<a:theme xmlns:a="http://schemas.openxmlformats.org/drawingml/2006/main" name="Office Theme">
+  <a:themeElements>
+    <a:clrScheme name="Office">
+      <a:dk1>
+        <a:sysClr val="windowText" lastClr="000000"/>
+      </a:dk1>
+      <a:lt1>
+        <a:sysClr val="window" lastClr="FFFFFF"/>
+      </a:lt1>
+      <a:dk2>
+        <a:srgbClr val="1F497D"/>
+      </a:dk2>
+      <a:lt2>
+        <a:srgbClr val="EEECE1"/>
+      </a:lt2>
+      <a:accent1>
+        <a:srgbClr val="4F81BD"/>
+      </a:accent1>
+      <a:accent2>
+        <a:srgbClr val="C0504D"/>
+      </a:accent2>
+      <a:accent3>
+        <a:srgbClr val="9BBB59"/>
+      </a:accent3>
+      <a:accent4>
+        <a:srgbClr val="8064A2"/>
+      </a:accent4>
+      <a:accent5>
+        <a:srgbClr val="4BACC6"/>
+      </a:accent5>
+      <a:accent6>
+        <a:srgbClr val="F79646"/>
+      </a:accent6>
+      <a:hlink>
+        <a:srgbClr val="0000FF"/>
+      </a:hlink>
+      <a:folHlink>
+        <a:srgbClr val="800080"/>
+      </a:folHlink>
+    </a:clrScheme>
+    <a:fontScheme name="Office">
+      <a:majorFont>
+        <a:latin typeface="Calibri"/>
+        <a:ea typeface=""/>
+        <a:cs typeface=""/>
+        <a:font script="Jpan" typeface="ＭＳ Ｐゴシック"/>
+        <a:font script="Hang" typeface="맑은 고딕"/>
+        <a:font script="Hans" typeface="宋体"/>
+        <a:font script="Hant" typeface="新細明體"/>
+        <a:font script="Arab" typeface="Times New Roman"/>
+        <a:font script="Hebr" typeface="Times New Roman"/>
+        <a:font script="Thai" typeface="Angsana New"/>
+        <a:font script="Ethi" typeface="Nyala"/>
+        <a:font script="Beng" typeface="Vrinda"/>
+        <a:font script="Gujr" typeface="Shruti"/>
+        <a:font script="Khmr" typeface="MoolBoran"/>
+        <a:font script="Knda" typeface="Tunga"/>
+        <a:font script="Guru" typeface="Raavi"/>
+        <a:font script="Cans" typeface="Euphemia"/>
+        <a:font script="Cher" typeface="Plantagenet Cherokee"/>
+        <a:font script="Yiii" typeface="Microsoft Yi Baiti"/>
+        <a:font script="Tibt" typeface="Microsoft Himalaya"/>
+        <a:font script="Thaa" typeface="MV Boli"/>
+        <a:font script="Deva" typeface="Mangal"/>
+        <a:font script="Telu" typeface="Gautami"/>
+        <a:font script="Taml" typeface="Latha"/>
+        <a:font script="Syrc" typeface="Estrangelo Edessa"/>
+        <a:font script="Orya" typeface="Kalinga"/>
+        <a:font script="Mlym" typeface="Kartika"/>
+        <a:font script="Laoo" typeface="DokChampa"/>
+        <a:font script="Sinh" typeface="Iskoola Pota"/>
+        <a:font script="Mong" typeface="Mongolian Baiti"/>
+        <a:font script="Viet" typeface="Times New Roman"/>
+        <a:font script="Uigh" typeface="Microsoft Uighur"/>
+      </a:majorFont>
+      <a:minorFont>
+        <a:latin typeface="Calibri"/>
+        <a:ea typeface=""/>
+        <a:cs typeface=""/>
+        <a:font script="Jpan" typeface="ＭＳ Ｐゴシック"/>
+        <a:font script="Hang" typeface="맑은 고딕"/>
+        <a:font script="Hans" typeface="宋体"/>
+        <a:font script="Hant" typeface="新細明體"/>
+        <a:font script="Arab" typeface="Arial"/>
+        <a:font script="Hebr" typeface="Arial"/>
+        <a:font script="Thai" typeface="Cordia New"/>
+        <a:font script="Ethi" typeface="Nyala"/>
+        <a:font script="Beng" typeface="Vrinda"/>
+        <a:font script="Gujr" typeface="Shruti"/>
+        <a:font script="Khmr" typeface="DaunPenh"/>
+        <a:font script="Knda" typeface="Tunga"/>
+        <a:font script="Guru" typeface="Raavi"/>
+        <a:font script="Cans" typeface="Euphemia"/>
+        <a:font script="Cher" typeface="Plantagenet Cherokee"/>
+        <a:font script="Yiii" typeface="Microsoft Yi Baiti"/>
+        <a:font script="Tibt" typeface="Microsoft Himalaya"/>
+        <a:font script="Thaa" typeface="MV Boli"/>
+        <a:font script="Deva" typeface="Mangal"/>
+        <a:font script="Telu" typeface="Gautami"/>
+        <a:font script="Taml" typeface="Latha"/>
+        <a:font script="Syrc" typeface="Estrangelo Edessa"/>
+        <a:font script="Orya" typeface="Kalinga"/>
+        <a:font script="Mlym" typeface="Kartika"/>
+        <a:font script="Laoo" typeface="DokChampa"/>
+        <a:font script="Sinh" typeface="Iskoola Pota"/>
+        <a:font script="Mong" typeface="Mongolian Baiti"/>
+        <a:font script="Viet" typeface="Arial"/>
+        <a:font script="Uigh" typeface="Microsoft Uighur"/>
+      </a:minorFont>
+    </a:fontScheme>
+    <a:fmtScheme name="Office">
+      <a:fillStyleLst>
+        <a:solidFill>
+          <a:schemeClr val="phClr"/>
+        </a:solidFill>
+        <a:gradFill rotWithShape="1">
+          <a:gsLst>
+            <a:gs pos="0">
+              <a:schemeClr val="phClr">
+                <a:tint val="50000"/>
+                <a:satMod val="300000"/>
+              </a:schemeClr>
+            </a:gs>
+            <a:gs pos="35000">
+              <a:schemeClr val="phClr">
+                <a:tint val="37000"/>
+                <a:satMod val="300000"/>
+              </a:schemeClr>
+            </a:gs>
+            <a:gs pos="100000">
+              <a:schemeClr val="phClr">
+                <a:tint val="15000"/>
+                <a:satMod val="350000"/>
+              </a:schemeClr>
+            </a:gs>
+          </a:gsLst>
+          <a:lin ang="16200000" scaled="1"/>
+        </a:gradFill>
+        <a:gradFill rotWithShape="1">
+          <a:gsLst>
+            <a:gs pos="0">
+              <a:schemeClr val="phClr">
+                <a:shade val="51000"/>
+                <a:satMod val="130000"/>
+              </a:schemeClr>
+            </a:gs>
+            <a:gs pos="80000">
+              <a:schemeClr val="phClr">
+                <a:shade val="93000"/>
+                <a:satMod val="130000"/>
+              </a:schemeClr>
+            </a:gs>
+            <a:gs pos="100000">
+              <a:schemeClr val="phClr">
+                <a:shade val="94000"/>
+                <a:satMod val="135000"/>
+              </a:schemeClr>
+            </a:gs>
+          </a:gsLst>
+          <a:lin ang="16200000" scaled="0"/>
+        </a:gradFill>
+      </a:fillStyleLst>
+      <a:lnStyleLst>
+        <a:ln w="9525" cap="flat" cmpd="sng" algn="ctr">
+          <a:solidFill>
+            <a:schemeClr val="phClr">
+              <a:shade val="95000"/>
+              <a:satMod val="105000"/>
+            </a:schemeClr>
+          </a:solidFill>
+          <a:prstDash val="solid"/>
+        </a:ln>
+        <a:ln w="25400" cap="flat" cmpd="sng" algn="ctr">
+          <a:solidFill>
+            <a:schemeClr val="phClr"/>
+          </a:solidFill>
+          <a:prstDash val="solid"/>
+        </a:ln>
+        <a:ln w="38100" cap="flat" cmpd="sng" algn="ctr">
+          <a:solidFill>
+            <a:schemeClr val="phClr"/>
+          </a:solidFill>
+          <a:prstDash val="solid"/>
+        </a:ln>
+      </a:lnStyleLst>
+      <a:effectStyleLst>
+        <a:effectStyle>
+          <a:effectLst>
+            <a:outerShdw blurRad="40000" dist="20000" dir="5400000" rotWithShape="0">
+              <a:srgbClr val="000000">
+                <a:alpha val="38000"/>
+              </a:srgbClr>
+            </a:outerShdw>
+          </a:effectLst>
+        </a:effectStyle>
+        <a:effectStyle>
+          <a:effectLst>
+            <a:outerShdw blurRad="40000" dist="23000" dir="5400000" rotWithShape="0">
+              <a:srgbClr val="000000">
+                <a:alpha val="35000"/>
+              </a:srgbClr>
+            </a:outerShdw>
+          </a:effectLst>
+        </a:effectStyle>
+        <a:effectStyle>
+          <a:effectLst>
+            <a:outerShdw blurRad="40000" dist="23000" dir="5400000" rotWithShape="0">
+              <a:srgbClr val="000000">
+                <a:alpha val="35000"/>
+              </a:srgbClr>
+            </a:outerShdw>
+          </a:effectLst>
+          <a:scene3d>
+            <a:camera prst="orthographicFront">
+              <a:rot lat="0" lon="0" rev="0"/>
+            </a:camera>
+            <a:lightRig rig="threePt" dir="t">
+              <a:rot lat="0" lon="0" rev="1200000"/>
+            </a:lightRig>
+          </a:scene3d>
+          <a:sp3d>
+            <a:bevelT w="63500" h="25400"/>
+          </a:sp3d>
+        </a:effectStyle>
+      </a:effectStyleLst>
+      <a:bgFillStyleLst>
+        <a:solidFill>
+          <a:schemeClr val="phClr"/>
+        </a:solidFill>
+        <a:gradFill rotWithShape="1">
+          <a:gsLst>
+            <a:gs pos="0">
+              <a:schemeClr val="phClr">
+                <a:tint val="40000"/>
+                <a:satMod val="350000"/>
+              </a:schemeClr>
+            </a:gs>
+            <a:gs pos="40000">
+              <a:schemeClr val="phClr">
+                <a:tint val="45000"/>
+                <a:shade val="99000"/>
+                <a:satMod val="350000"/>
+              </a:schemeClr>
+            </a:gs>
+            <a:gs pos="100000">
+              <a:schemeClr val="phClr">
+                <a:shade val="20000"/>
+                <a:satMod val="255000"/>
+              </a:schemeClr>
+            </a:gs>
+          </a:gsLst>
+          <a:path path="circle">
+            <a:fillToRect l="50000" t="-80000" r="50000" b="180000"/>
+          </a:path>
+        </a:gradFill>
+        <a:gradFill rotWithShape="1">
+          <a:gsLst>
+            <a:gs pos="0">
+              <a:schemeClr val="phClr">
+                <a:tint val="80000"/>
+                <a:satMod val="300000"/>
+              </a:schemeClr>
+            </a:gs>
+            <a:gs pos="100000">
+              <a:schemeClr val="phClr">
+                <a:shade val="30000"/>
+                <a:satMod val="200000"/>
+              </a:schemeClr>
+            </a:gs>
+          </a:gsLst>
+          <a:path path="circle">
+            <a:fillToRect l="50000" t="50000" r="50000" b="50000"/>
+          </a:path>
+        </a:gradFill>
+      </a:bgFillStyleLst>
+    </a:fmtScheme>
+  </a:themeElements>
+  <a:objectDefaults/>
+  <a:extraClrSchemeLst/>
+</a:theme>
+</file>
+
 <file path=ppt/theme/theme3.xml><?xml version="1.0" encoding="utf-8"?>
 <a:theme xmlns:a="http://schemas.openxmlformats.org/drawingml/2006/main" name="Office Theme">
   <a:themeElements>
@@ -22521,296 +21286,19 @@
 </a:theme>
 </file>
 
-<file path=ppt/theme/theme4.xml><?xml version="1.0" encoding="utf-8"?>
-<a:theme xmlns:a="http://schemas.openxmlformats.org/drawingml/2006/main" name="Office Theme">
-  <a:themeElements>
-    <a:clrScheme name="Office">
-      <a:dk1>
-        <a:sysClr val="windowText" lastClr="000000"/>
-      </a:dk1>
-      <a:lt1>
-        <a:sysClr val="window" lastClr="FFFFFF"/>
-      </a:lt1>
-      <a:dk2>
-        <a:srgbClr val="1F497D"/>
-      </a:dk2>
-      <a:lt2>
-        <a:srgbClr val="EEECE1"/>
-      </a:lt2>
-      <a:accent1>
-        <a:srgbClr val="4F81BD"/>
-      </a:accent1>
-      <a:accent2>
-        <a:srgbClr val="C0504D"/>
-      </a:accent2>
-      <a:accent3>
-        <a:srgbClr val="9BBB59"/>
-      </a:accent3>
-      <a:accent4>
-        <a:srgbClr val="8064A2"/>
-      </a:accent4>
-      <a:accent5>
-        <a:srgbClr val="4BACC6"/>
-      </a:accent5>
-      <a:accent6>
-        <a:srgbClr val="F79646"/>
-      </a:accent6>
-      <a:hlink>
-        <a:srgbClr val="0000FF"/>
-      </a:hlink>
-      <a:folHlink>
-        <a:srgbClr val="800080"/>
-      </a:folHlink>
-    </a:clrScheme>
-    <a:fontScheme name="Office">
-      <a:majorFont>
-        <a:latin typeface="Calibri"/>
-        <a:ea typeface=""/>
-        <a:cs typeface=""/>
-        <a:font script="Jpan" typeface="ＭＳ Ｐゴシック"/>
-        <a:font script="Hang" typeface="맑은 고딕"/>
-        <a:font script="Hans" typeface="宋体"/>
-        <a:font script="Hant" typeface="新細明體"/>
-        <a:font script="Arab" typeface="Times New Roman"/>
-        <a:font script="Hebr" typeface="Times New Roman"/>
-        <a:font script="Thai" typeface="Angsana New"/>
-        <a:font script="Ethi" typeface="Nyala"/>
-        <a:font script="Beng" typeface="Vrinda"/>
-        <a:font script="Gujr" typeface="Shruti"/>
-        <a:font script="Khmr" typeface="MoolBoran"/>
-        <a:font script="Knda" typeface="Tunga"/>
-        <a:font script="Guru" typeface="Raavi"/>
-        <a:font script="Cans" typeface="Euphemia"/>
-        <a:font script="Cher" typeface="Plantagenet Cherokee"/>
-        <a:font script="Yiii" typeface="Microsoft Yi Baiti"/>
-        <a:font script="Tibt" typeface="Microsoft Himalaya"/>
-        <a:font script="Thaa" typeface="MV Boli"/>
-        <a:font script="Deva" typeface="Mangal"/>
-        <a:font script="Telu" typeface="Gautami"/>
-        <a:font script="Taml" typeface="Latha"/>
-        <a:font script="Syrc" typeface="Estrangelo Edessa"/>
-        <a:font script="Orya" typeface="Kalinga"/>
-        <a:font script="Mlym" typeface="Kartika"/>
-        <a:font script="Laoo" typeface="DokChampa"/>
-        <a:font script="Sinh" typeface="Iskoola Pota"/>
-        <a:font script="Mong" typeface="Mongolian Baiti"/>
-        <a:font script="Viet" typeface="Times New Roman"/>
-        <a:font script="Uigh" typeface="Microsoft Uighur"/>
-      </a:majorFont>
-      <a:minorFont>
-        <a:latin typeface="Calibri"/>
-        <a:ea typeface=""/>
-        <a:cs typeface=""/>
-        <a:font script="Jpan" typeface="ＭＳ Ｐゴシック"/>
-        <a:font script="Hang" typeface="맑은 고딕"/>
-        <a:font script="Hans" typeface="宋体"/>
-        <a:font script="Hant" typeface="新細明體"/>
-        <a:font script="Arab" typeface="Arial"/>
-        <a:font script="Hebr" typeface="Arial"/>
-        <a:font script="Thai" typeface="Cordia New"/>
-        <a:font script="Ethi" typeface="Nyala"/>
-        <a:font script="Beng" typeface="Vrinda"/>
-        <a:font script="Gujr" typeface="Shruti"/>
-        <a:font script="Khmr" typeface="DaunPenh"/>
-        <a:font script="Knda" typeface="Tunga"/>
-        <a:font script="Guru" typeface="Raavi"/>
-        <a:font script="Cans" typeface="Euphemia"/>
-        <a:font script="Cher" typeface="Plantagenet Cherokee"/>
-        <a:font script="Yiii" typeface="Microsoft Yi Baiti"/>
-        <a:font script="Tibt" typeface="Microsoft Himalaya"/>
-        <a:font script="Thaa" typeface="MV Boli"/>
-        <a:font script="Deva" typeface="Mangal"/>
-        <a:font script="Telu" typeface="Gautami"/>
-        <a:font script="Taml" typeface="Latha"/>
-        <a:font script="Syrc" typeface="Estrangelo Edessa"/>
-        <a:font script="Orya" typeface="Kalinga"/>
-        <a:font script="Mlym" typeface="Kartika"/>
-        <a:font script="Laoo" typeface="DokChampa"/>
-        <a:font script="Sinh" typeface="Iskoola Pota"/>
-        <a:font script="Mong" typeface="Mongolian Baiti"/>
-        <a:font script="Viet" typeface="Arial"/>
-        <a:font script="Uigh" typeface="Microsoft Uighur"/>
-      </a:minorFont>
-    </a:fontScheme>
-    <a:fmtScheme name="Office">
-      <a:fillStyleLst>
-        <a:solidFill>
-          <a:schemeClr val="phClr"/>
-        </a:solidFill>
-        <a:gradFill rotWithShape="1">
-          <a:gsLst>
-            <a:gs pos="0">
-              <a:schemeClr val="phClr">
-                <a:tint val="50000"/>
-                <a:satMod val="300000"/>
-              </a:schemeClr>
-            </a:gs>
-            <a:gs pos="35000">
-              <a:schemeClr val="phClr">
-                <a:tint val="37000"/>
-                <a:satMod val="300000"/>
-              </a:schemeClr>
-            </a:gs>
-            <a:gs pos="100000">
-              <a:schemeClr val="phClr">
-                <a:tint val="15000"/>
-                <a:satMod val="350000"/>
-              </a:schemeClr>
-            </a:gs>
-          </a:gsLst>
-          <a:lin ang="16200000" scaled="1"/>
-        </a:gradFill>
-        <a:gradFill rotWithShape="1">
-          <a:gsLst>
-            <a:gs pos="0">
-              <a:schemeClr val="phClr">
-                <a:shade val="51000"/>
-                <a:satMod val="130000"/>
-              </a:schemeClr>
-            </a:gs>
-            <a:gs pos="80000">
-              <a:schemeClr val="phClr">
-                <a:shade val="93000"/>
-                <a:satMod val="130000"/>
-              </a:schemeClr>
-            </a:gs>
-            <a:gs pos="100000">
-              <a:schemeClr val="phClr">
-                <a:shade val="94000"/>
-                <a:satMod val="135000"/>
-              </a:schemeClr>
-            </a:gs>
-          </a:gsLst>
-          <a:lin ang="16200000" scaled="0"/>
-        </a:gradFill>
-      </a:fillStyleLst>
-      <a:lnStyleLst>
-        <a:ln w="9525" cap="flat" cmpd="sng" algn="ctr">
-          <a:solidFill>
-            <a:schemeClr val="phClr">
-              <a:shade val="95000"/>
-              <a:satMod val="105000"/>
-            </a:schemeClr>
-          </a:solidFill>
-          <a:prstDash val="solid"/>
-        </a:ln>
-        <a:ln w="25400" cap="flat" cmpd="sng" algn="ctr">
-          <a:solidFill>
-            <a:schemeClr val="phClr"/>
-          </a:solidFill>
-          <a:prstDash val="solid"/>
-        </a:ln>
-        <a:ln w="38100" cap="flat" cmpd="sng" algn="ctr">
-          <a:solidFill>
-            <a:schemeClr val="phClr"/>
-          </a:solidFill>
-          <a:prstDash val="solid"/>
-        </a:ln>
-      </a:lnStyleLst>
-      <a:effectStyleLst>
-        <a:effectStyle>
-          <a:effectLst>
-            <a:outerShdw blurRad="40000" dist="20000" dir="5400000" rotWithShape="0">
-              <a:srgbClr val="000000">
-                <a:alpha val="38000"/>
-              </a:srgbClr>
-            </a:outerShdw>
-          </a:effectLst>
-        </a:effectStyle>
-        <a:effectStyle>
-          <a:effectLst>
-            <a:outerShdw blurRad="40000" dist="23000" dir="5400000" rotWithShape="0">
-              <a:srgbClr val="000000">
-                <a:alpha val="35000"/>
-              </a:srgbClr>
-            </a:outerShdw>
-          </a:effectLst>
-        </a:effectStyle>
-        <a:effectStyle>
-          <a:effectLst>
-            <a:outerShdw blurRad="40000" dist="23000" dir="5400000" rotWithShape="0">
-              <a:srgbClr val="000000">
-                <a:alpha val="35000"/>
-              </a:srgbClr>
-            </a:outerShdw>
-          </a:effectLst>
-          <a:scene3d>
-            <a:camera prst="orthographicFront">
-              <a:rot lat="0" lon="0" rev="0"/>
-            </a:camera>
-            <a:lightRig rig="threePt" dir="t">
-              <a:rot lat="0" lon="0" rev="1200000"/>
-            </a:lightRig>
-          </a:scene3d>
-          <a:sp3d>
-            <a:bevelT w="63500" h="25400"/>
-          </a:sp3d>
-        </a:effectStyle>
-      </a:effectStyleLst>
-      <a:bgFillStyleLst>
-        <a:solidFill>
-          <a:schemeClr val="phClr"/>
-        </a:solidFill>
-        <a:gradFill rotWithShape="1">
-          <a:gsLst>
-            <a:gs pos="0">
-              <a:schemeClr val="phClr">
-                <a:tint val="40000"/>
-                <a:satMod val="350000"/>
-              </a:schemeClr>
-            </a:gs>
-            <a:gs pos="40000">
-              <a:schemeClr val="phClr">
-                <a:tint val="45000"/>
-                <a:shade val="99000"/>
-                <a:satMod val="350000"/>
-              </a:schemeClr>
-            </a:gs>
-            <a:gs pos="100000">
-              <a:schemeClr val="phClr">
-                <a:shade val="20000"/>
-                <a:satMod val="255000"/>
-              </a:schemeClr>
-            </a:gs>
-          </a:gsLst>
-          <a:path path="circle">
-            <a:fillToRect l="50000" t="-80000" r="50000" b="180000"/>
-          </a:path>
-        </a:gradFill>
-        <a:gradFill rotWithShape="1">
-          <a:gsLst>
-            <a:gs pos="0">
-              <a:schemeClr val="phClr">
-                <a:tint val="80000"/>
-                <a:satMod val="300000"/>
-              </a:schemeClr>
-            </a:gs>
-            <a:gs pos="100000">
-              <a:schemeClr val="phClr">
-                <a:shade val="30000"/>
-                <a:satMod val="200000"/>
-              </a:schemeClr>
-            </a:gs>
-          </a:gsLst>
-          <a:path path="circle">
-            <a:fillToRect l="50000" t="50000" r="50000" b="50000"/>
-          </a:path>
-        </a:gradFill>
-      </a:bgFillStyleLst>
-    </a:fmtScheme>
-  </a:themeElements>
-  <a:objectDefaults/>
-  <a:extraClrSchemeLst/>
-</a:theme>
-</file>
-
 <file path=customXml/item1.xml><?xml version="1.0" encoding="utf-8"?>
-<?mso-contentType ?>
-<FormTemplates xmlns="http://schemas.microsoft.com/sharepoint/v3/contenttype/forms">
-  <Display>DocumentLibraryForm</Display>
-  <Edit>DocumentLibraryForm</Edit>
-  <New>DocumentLibraryForm</New>
-</FormTemplates>
+<p:properties xmlns:p="http://schemas.microsoft.com/office/2006/metadata/properties" xmlns:xsi="http://www.w3.org/2001/XMLSchema-instance">
+  <documentManagement>
+    <Image xmlns="f53a3603-67ad-45e2-accf-d44f8756b321">
+      <Url>https://share.autodesk.com/Marketing/catalog/PublishingImages/09_25_08_AEC_Title_01.jpg</Url>
+      <Description xsi:nil="true"/>
+    </Image>
+    <Date_x0020_Published xmlns="c8bab806-ca78-4cad-94f6-48e563f76e95">2009-05-14T07:00:00+00:00</Date_x0020_Published>
+    <Media_x0020_Description xmlns="c8bab806-ca78-4cad-94f6-48e563f76e95">AEC Industry Title Slide -- General Overview Version</Media_x0020_Description>
+    <Category xmlns="f53a3603-67ad-45e2-accf-d44f8756b321" xsi:nil="true"/>
+    <Business_x0020_and_x0020_Industry xmlns="f53a3603-67ad-45e2-accf-d44f8756b321">Industry PowerPoint Title Slides</Business_x0020_and_x0020_Industry>
+  </documentManagement>
+</p:properties>
 </file>
 
 <file path=customXml/item2.xml><?xml version="1.0" encoding="utf-8"?>
@@ -22913,24 +21401,20 @@
 </file>
 
 <file path=customXml/item3.xml><?xml version="1.0" encoding="utf-8"?>
-<p:properties xmlns:p="http://schemas.microsoft.com/office/2006/metadata/properties" xmlns:xsi="http://www.w3.org/2001/XMLSchema-instance">
-  <documentManagement>
-    <Image xmlns="f53a3603-67ad-45e2-accf-d44f8756b321">
-      <Url>https://share.autodesk.com/Marketing/catalog/PublishingImages/09_25_08_AEC_Title_01.jpg</Url>
-      <Description xsi:nil="true"/>
-    </Image>
-    <Date_x0020_Published xmlns="c8bab806-ca78-4cad-94f6-48e563f76e95">2009-05-14T07:00:00+00:00</Date_x0020_Published>
-    <Media_x0020_Description xmlns="c8bab806-ca78-4cad-94f6-48e563f76e95">AEC Industry Title Slide -- General Overview Version</Media_x0020_Description>
-    <Category xmlns="f53a3603-67ad-45e2-accf-d44f8756b321" xsi:nil="true"/>
-    <Business_x0020_and_x0020_Industry xmlns="f53a3603-67ad-45e2-accf-d44f8756b321">Industry PowerPoint Title Slides</Business_x0020_and_x0020_Industry>
-  </documentManagement>
-</p:properties>
+<?mso-contentType ?>
+<FormTemplates xmlns="http://schemas.microsoft.com/sharepoint/v3/contenttype/forms">
+  <Display>DocumentLibraryForm</Display>
+  <Edit>DocumentLibraryForm</Edit>
+  <New>DocumentLibraryForm</New>
+</FormTemplates>
 </file>
 
 <file path=customXml/itemProps1.xml><?xml version="1.0" encoding="utf-8"?>
-<ds:datastoreItem xmlns:ds="http://schemas.openxmlformats.org/officeDocument/2006/customXml" ds:itemID="{1B23F64D-CA4A-4BF5-9636-FF31814D07BC}">
+<ds:datastoreItem xmlns:ds="http://schemas.openxmlformats.org/officeDocument/2006/customXml" ds:itemID="{6307AE55-A139-4AD7-ACEE-00E455099D23}">
   <ds:schemaRefs>
-    <ds:schemaRef ds:uri="http://schemas.microsoft.com/sharepoint/v3/contenttype/forms"/>
+    <ds:schemaRef ds:uri="http://schemas.microsoft.com/office/2006/metadata/properties"/>
+    <ds:schemaRef ds:uri="f53a3603-67ad-45e2-accf-d44f8756b321"/>
+    <ds:schemaRef ds:uri="c8bab806-ca78-4cad-94f6-48e563f76e95"/>
   </ds:schemaRefs>
 </ds:datastoreItem>
 </file>
@@ -22954,11 +21438,9 @@
 </file>
 
 <file path=customXml/itemProps3.xml><?xml version="1.0" encoding="utf-8"?>
-<ds:datastoreItem xmlns:ds="http://schemas.openxmlformats.org/officeDocument/2006/customXml" ds:itemID="{6307AE55-A139-4AD7-ACEE-00E455099D23}">
+<ds:datastoreItem xmlns:ds="http://schemas.openxmlformats.org/officeDocument/2006/customXml" ds:itemID="{1B23F64D-CA4A-4BF5-9636-FF31814D07BC}">
   <ds:schemaRefs>
-    <ds:schemaRef ds:uri="http://schemas.microsoft.com/office/2006/metadata/properties"/>
-    <ds:schemaRef ds:uri="f53a3603-67ad-45e2-accf-d44f8756b321"/>
-    <ds:schemaRef ds:uri="c8bab806-ca78-4cad-94f6-48e563f76e95"/>
+    <ds:schemaRef ds:uri="http://schemas.microsoft.com/sharepoint/v3/contenttype/forms"/>
   </ds:schemaRefs>
 </ds:datastoreItem>
 </file>
--- a/Presentation/2_Revit_UI_API.pptx
+++ b/Presentation/2_Revit_UI_API.pptx
@@ -172,7 +172,43 @@
       </a:defRPr>
     </a:lvl9pPr>
   </p:defaultTextStyle>
+  <p:extLst>
+    <p:ext uri="{EFAFB233-063F-42B5-8137-9DF3F51BA10A}">
+      <p15:sldGuideLst xmlns:p15="http://schemas.microsoft.com/office/powerpoint/2012/main">
+        <p15:guide id="1" orient="horz" pos="3073">
+          <p15:clr>
+            <a:srgbClr val="A4A3A4"/>
+          </p15:clr>
+        </p15:guide>
+        <p15:guide id="2" pos="4098">
+          <p15:clr>
+            <a:srgbClr val="A4A3A4"/>
+          </p15:clr>
+        </p15:guide>
+      </p15:sldGuideLst>
+    </p:ext>
+    <p:ext uri="{2D200454-40CA-4A62-9FC3-DE9A4176ACB9}">
+      <p15:notesGuideLst xmlns:p15="http://schemas.microsoft.com/office/powerpoint/2012/main">
+        <p15:guide id="1" orient="horz" pos="2931">
+          <p15:clr>
+            <a:srgbClr val="A4A3A4"/>
+          </p15:clr>
+        </p15:guide>
+        <p15:guide id="2" pos="2212">
+          <p15:clr>
+            <a:srgbClr val="A4A3A4"/>
+          </p15:clr>
+        </p15:guide>
+      </p15:notesGuideLst>
+    </p:ext>
+  </p:extLst>
 </p:presentation>
+</file>
+
+<file path=ppt/commentAuthors.xml><?xml version="1.0" encoding="utf-8"?>
+<p:cmAuthorLst xmlns:a="http://schemas.openxmlformats.org/drawingml/2006/main" xmlns:r="http://schemas.openxmlformats.org/officeDocument/2006/relationships" xmlns:p="http://schemas.openxmlformats.org/presentationml/2006/main">
+  <p:cmAuthor id="1" name="Author" initials="A" lastIdx="3" clrIdx="1"/>
+</p:cmAuthorLst>
 </file>
 
 <file path=ppt/handoutMasters/handoutMaster1.xml><?xml version="1.0" encoding="utf-8"?>
@@ -286,7 +322,7 @@
               <a:pPr>
                 <a:defRPr/>
               </a:pPr>
-              <a:t>4/22/2014</a:t>
+              <a:t>3/10/2015</a:t>
             </a:fld>
             <a:endParaRPr lang="en-US"/>
           </a:p>
@@ -509,7 +545,7 @@
               <a:pPr>
                 <a:defRPr/>
               </a:pPr>
-              <a:t>4/22/2014</a:t>
+              <a:t>3/10/2015</a:t>
             </a:fld>
             <a:endParaRPr lang="en-US"/>
           </a:p>
@@ -914,6 +950,11 @@
         </p:txBody>
       </p:sp>
     </p:spTree>
+    <p:extLst>
+      <p:ext uri="{BB962C8B-B14F-4D97-AF65-F5344CB8AC3E}">
+        <p14:creationId xmlns:p14="http://schemas.microsoft.com/office/powerpoint/2010/main" val="1139894585"/>
+      </p:ext>
+    </p:extLst>
   </p:cSld>
   <p:clrMapOvr>
     <a:masterClrMapping/>
@@ -1161,6 +1202,11 @@
         </p:txBody>
       </p:sp>
     </p:spTree>
+    <p:extLst>
+      <p:ext uri="{BB962C8B-B14F-4D97-AF65-F5344CB8AC3E}">
+        <p14:creationId xmlns:p14="http://schemas.microsoft.com/office/powerpoint/2010/main" val="995927855"/>
+      </p:ext>
+    </p:extLst>
   </p:cSld>
   <p:clrMapOvr>
     <a:masterClrMapping/>
@@ -1441,6 +1487,11 @@
         </p:txBody>
       </p:sp>
     </p:spTree>
+    <p:extLst>
+      <p:ext uri="{BB962C8B-B14F-4D97-AF65-F5344CB8AC3E}">
+        <p14:creationId xmlns:p14="http://schemas.microsoft.com/office/powerpoint/2010/main" val="1850715824"/>
+      </p:ext>
+    </p:extLst>
   </p:cSld>
   <p:clrMapOvr>
     <a:masterClrMapping/>
@@ -1672,6 +1723,11 @@
         </p:txBody>
       </p:sp>
     </p:spTree>
+    <p:extLst>
+      <p:ext uri="{BB962C8B-B14F-4D97-AF65-F5344CB8AC3E}">
+        <p14:creationId xmlns:p14="http://schemas.microsoft.com/office/powerpoint/2010/main" val="3424320216"/>
+      </p:ext>
+    </p:extLst>
   </p:cSld>
   <p:clrMapOvr>
     <a:masterClrMapping/>
@@ -1759,6 +1815,11 @@
         </p:txBody>
       </p:sp>
     </p:spTree>
+    <p:extLst>
+      <p:ext uri="{BB962C8B-B14F-4D97-AF65-F5344CB8AC3E}">
+        <p14:creationId xmlns:p14="http://schemas.microsoft.com/office/powerpoint/2010/main" val="2026204980"/>
+      </p:ext>
+    </p:extLst>
   </p:cSld>
   <p:clrMapOvr>
     <a:masterClrMapping/>
@@ -1846,6 +1907,11 @@
         </p:txBody>
       </p:sp>
     </p:spTree>
+    <p:extLst>
+      <p:ext uri="{BB962C8B-B14F-4D97-AF65-F5344CB8AC3E}">
+        <p14:creationId xmlns:p14="http://schemas.microsoft.com/office/powerpoint/2010/main" val="194600572"/>
+      </p:ext>
+    </p:extLst>
   </p:cSld>
   <p:clrMapOvr>
     <a:masterClrMapping/>
@@ -1933,6 +1999,11 @@
         </p:txBody>
       </p:sp>
     </p:spTree>
+    <p:extLst>
+      <p:ext uri="{BB962C8B-B14F-4D97-AF65-F5344CB8AC3E}">
+        <p14:creationId xmlns:p14="http://schemas.microsoft.com/office/powerpoint/2010/main" val="2606964739"/>
+      </p:ext>
+    </p:extLst>
   </p:cSld>
   <p:clrMapOvr>
     <a:masterClrMapping/>
@@ -2120,6 +2191,11 @@
         </p:txBody>
       </p:sp>
     </p:spTree>
+    <p:extLst>
+      <p:ext uri="{BB962C8B-B14F-4D97-AF65-F5344CB8AC3E}">
+        <p14:creationId xmlns:p14="http://schemas.microsoft.com/office/powerpoint/2010/main" val="4127268430"/>
+      </p:ext>
+    </p:extLst>
   </p:cSld>
   <p:clrMapOvr>
     <a:masterClrMapping/>
@@ -2275,6 +2351,11 @@
         </p:txBody>
       </p:sp>
     </p:spTree>
+    <p:extLst>
+      <p:ext uri="{BB962C8B-B14F-4D97-AF65-F5344CB8AC3E}">
+        <p14:creationId xmlns:p14="http://schemas.microsoft.com/office/powerpoint/2010/main" val="4096373259"/>
+      </p:ext>
+    </p:extLst>
   </p:cSld>
   <p:clrMapOvr>
     <a:masterClrMapping/>
@@ -2362,6 +2443,11 @@
         </p:txBody>
       </p:sp>
     </p:spTree>
+    <p:extLst>
+      <p:ext uri="{BB962C8B-B14F-4D97-AF65-F5344CB8AC3E}">
+        <p14:creationId xmlns:p14="http://schemas.microsoft.com/office/powerpoint/2010/main" val="3272065044"/>
+      </p:ext>
+    </p:extLst>
   </p:cSld>
   <p:clrMapOvr>
     <a:masterClrMapping/>
@@ -2449,6 +2535,11 @@
         </p:txBody>
       </p:sp>
     </p:spTree>
+    <p:extLst>
+      <p:ext uri="{BB962C8B-B14F-4D97-AF65-F5344CB8AC3E}">
+        <p14:creationId xmlns:p14="http://schemas.microsoft.com/office/powerpoint/2010/main" val="3632919996"/>
+      </p:ext>
+    </p:extLst>
   </p:cSld>
   <p:clrMapOvr>
     <a:masterClrMapping/>
@@ -2536,6 +2627,11 @@
         </p:txBody>
       </p:sp>
     </p:spTree>
+    <p:extLst>
+      <p:ext uri="{BB962C8B-B14F-4D97-AF65-F5344CB8AC3E}">
+        <p14:creationId xmlns:p14="http://schemas.microsoft.com/office/powerpoint/2010/main" val="3859175985"/>
+      </p:ext>
+    </p:extLst>
   </p:cSld>
   <p:clrMapOvr>
     <a:masterClrMapping/>
@@ -2623,6 +2719,11 @@
         </p:txBody>
       </p:sp>
     </p:spTree>
+    <p:extLst>
+      <p:ext uri="{BB962C8B-B14F-4D97-AF65-F5344CB8AC3E}">
+        <p14:creationId xmlns:p14="http://schemas.microsoft.com/office/powerpoint/2010/main" val="3335304900"/>
+      </p:ext>
+    </p:extLst>
   </p:cSld>
   <p:clrMapOvr>
     <a:masterClrMapping/>
@@ -2958,6 +3059,11 @@
         </p:txBody>
       </p:sp>
     </p:spTree>
+    <p:extLst>
+      <p:ext uri="{BB962C8B-B14F-4D97-AF65-F5344CB8AC3E}">
+        <p14:creationId xmlns:p14="http://schemas.microsoft.com/office/powerpoint/2010/main" val="2405546122"/>
+      </p:ext>
+    </p:extLst>
   </p:cSld>
   <p:clrMapOvr>
     <a:masterClrMapping/>
@@ -3246,6 +3352,11 @@
         </p:txBody>
       </p:sp>
     </p:spTree>
+    <p:extLst>
+      <p:ext uri="{BB962C8B-B14F-4D97-AF65-F5344CB8AC3E}">
+        <p14:creationId xmlns:p14="http://schemas.microsoft.com/office/powerpoint/2010/main" val="520041880"/>
+      </p:ext>
+    </p:extLst>
   </p:cSld>
   <p:clrMapOvr>
     <a:masterClrMapping/>
@@ -3467,6 +3578,11 @@
         </p:txBody>
       </p:sp>
     </p:spTree>
+    <p:extLst>
+      <p:ext uri="{BB962C8B-B14F-4D97-AF65-F5344CB8AC3E}">
+        <p14:creationId xmlns:p14="http://schemas.microsoft.com/office/powerpoint/2010/main" val="1416083116"/>
+      </p:ext>
+    </p:extLst>
   </p:cSld>
   <p:clrMapOvr>
     <a:masterClrMapping/>
@@ -3554,6 +3670,11 @@
         </p:txBody>
       </p:sp>
     </p:spTree>
+    <p:extLst>
+      <p:ext uri="{BB962C8B-B14F-4D97-AF65-F5344CB8AC3E}">
+        <p14:creationId xmlns:p14="http://schemas.microsoft.com/office/powerpoint/2010/main" val="2766480662"/>
+      </p:ext>
+    </p:extLst>
   </p:cSld>
   <p:clrMapOvr>
     <a:masterClrMapping/>
@@ -3807,6 +3928,11 @@
         </p:txBody>
       </p:sp>
     </p:spTree>
+    <p:extLst>
+      <p:ext uri="{BB962C8B-B14F-4D97-AF65-F5344CB8AC3E}">
+        <p14:creationId xmlns:p14="http://schemas.microsoft.com/office/powerpoint/2010/main" val="4095767117"/>
+      </p:ext>
+    </p:extLst>
   </p:cSld>
   <p:clrMapOvr>
     <a:masterClrMapping/>
@@ -4188,6 +4314,11 @@
         </p:txBody>
       </p:sp>
     </p:spTree>
+    <p:extLst>
+      <p:ext uri="{BB962C8B-B14F-4D97-AF65-F5344CB8AC3E}">
+        <p14:creationId xmlns:p14="http://schemas.microsoft.com/office/powerpoint/2010/main" val="2529631714"/>
+      </p:ext>
+    </p:extLst>
   </p:cSld>
   <p:clrMapOvr>
     <a:masterClrMapping/>
@@ -4471,6 +4602,11 @@
         </p:txBody>
       </p:sp>
     </p:spTree>
+    <p:extLst>
+      <p:ext uri="{BB962C8B-B14F-4D97-AF65-F5344CB8AC3E}">
+        <p14:creationId xmlns:p14="http://schemas.microsoft.com/office/powerpoint/2010/main" val="959706871"/>
+      </p:ext>
+    </p:extLst>
   </p:cSld>
   <p:clrMapOvr>
     <a:masterClrMapping/>
@@ -4676,6 +4812,11 @@
         </p:txBody>
       </p:sp>
     </p:spTree>
+    <p:extLst>
+      <p:ext uri="{BB962C8B-B14F-4D97-AF65-F5344CB8AC3E}">
+        <p14:creationId xmlns:p14="http://schemas.microsoft.com/office/powerpoint/2010/main" val="3992221046"/>
+      </p:ext>
+    </p:extLst>
   </p:cSld>
   <p:clrMapOvr>
     <a:masterClrMapping/>
@@ -4763,6 +4904,11 @@
         </p:txBody>
       </p:sp>
     </p:spTree>
+    <p:extLst>
+      <p:ext uri="{BB962C8B-B14F-4D97-AF65-F5344CB8AC3E}">
+        <p14:creationId xmlns:p14="http://schemas.microsoft.com/office/powerpoint/2010/main" val="1615530072"/>
+      </p:ext>
+    </p:extLst>
   </p:cSld>
   <p:clrMapOvr>
     <a:masterClrMapping/>
@@ -4850,6 +4996,11 @@
         </p:txBody>
       </p:sp>
     </p:spTree>
+    <p:extLst>
+      <p:ext uri="{BB962C8B-B14F-4D97-AF65-F5344CB8AC3E}">
+        <p14:creationId xmlns:p14="http://schemas.microsoft.com/office/powerpoint/2010/main" val="1395275972"/>
+      </p:ext>
+    </p:extLst>
   </p:cSld>
   <p:clrMapOvr>
     <a:masterClrMapping/>
@@ -4937,6 +5088,11 @@
         </p:txBody>
       </p:sp>
     </p:spTree>
+    <p:extLst>
+      <p:ext uri="{BB962C8B-B14F-4D97-AF65-F5344CB8AC3E}">
+        <p14:creationId xmlns:p14="http://schemas.microsoft.com/office/powerpoint/2010/main" val="2551745552"/>
+      </p:ext>
+    </p:extLst>
   </p:cSld>
   <p:clrMapOvr>
     <a:masterClrMapping/>
@@ -5024,6 +5180,11 @@
         </p:txBody>
       </p:sp>
     </p:spTree>
+    <p:extLst>
+      <p:ext uri="{BB962C8B-B14F-4D97-AF65-F5344CB8AC3E}">
+        <p14:creationId xmlns:p14="http://schemas.microsoft.com/office/powerpoint/2010/main" val="4005747204"/>
+      </p:ext>
+    </p:extLst>
   </p:cSld>
   <p:clrMapOvr>
     <a:masterClrMapping/>
@@ -5116,6 +5277,11 @@
         </p:txBody>
       </p:sp>
     </p:spTree>
+    <p:extLst>
+      <p:ext uri="{BB962C8B-B14F-4D97-AF65-F5344CB8AC3E}">
+        <p14:creationId xmlns:p14="http://schemas.microsoft.com/office/powerpoint/2010/main" val="3002963331"/>
+      </p:ext>
+    </p:extLst>
   </p:cSld>
   <p:clrMapOvr>
     <a:masterClrMapping/>
@@ -5278,6 +5444,11 @@
         </p:txBody>
       </p:sp>
     </p:spTree>
+    <p:extLst>
+      <p:ext uri="{BB962C8B-B14F-4D97-AF65-F5344CB8AC3E}">
+        <p14:creationId xmlns:p14="http://schemas.microsoft.com/office/powerpoint/2010/main" val="1108380536"/>
+      </p:ext>
+    </p:extLst>
   </p:cSld>
   <p:clrMapOvr>
     <a:masterClrMapping/>
@@ -5732,6 +5903,11 @@
         </p:txBody>
       </p:sp>
     </p:spTree>
+    <p:extLst>
+      <p:ext uri="{BB962C8B-B14F-4D97-AF65-F5344CB8AC3E}">
+        <p14:creationId xmlns:p14="http://schemas.microsoft.com/office/powerpoint/2010/main" val="3082623401"/>
+      </p:ext>
+    </p:extLst>
   </p:cSld>
   <p:clrMapOvr>
     <a:masterClrMapping/>
@@ -6073,6 +6249,11 @@
         </p:txBody>
       </p:sp>
     </p:spTree>
+    <p:extLst>
+      <p:ext uri="{BB962C8B-B14F-4D97-AF65-F5344CB8AC3E}">
+        <p14:creationId xmlns:p14="http://schemas.microsoft.com/office/powerpoint/2010/main" val="3590046620"/>
+      </p:ext>
+    </p:extLst>
   </p:cSld>
   <p:clrMapOvr>
     <a:masterClrMapping/>
@@ -6122,7 +6303,7 @@
         <p:spPr/>
         <p:txBody>
           <a:bodyPr>
-            <a:normAutofit/>
+            <a:normAutofit fontScale="92500"/>
           </a:bodyPr>
           <a:lstStyle/>
           <a:p>
@@ -7104,6 +7285,11 @@
         </p:txBody>
       </p:sp>
     </p:spTree>
+    <p:extLst>
+      <p:ext uri="{BB962C8B-B14F-4D97-AF65-F5344CB8AC3E}">
+        <p14:creationId xmlns:p14="http://schemas.microsoft.com/office/powerpoint/2010/main" val="3516511645"/>
+      </p:ext>
+    </p:extLst>
   </p:cSld>
   <p:clrMapOvr>
     <a:masterClrMapping/>
@@ -7191,6 +7377,11 @@
         </p:txBody>
       </p:sp>
     </p:spTree>
+    <p:extLst>
+      <p:ext uri="{BB962C8B-B14F-4D97-AF65-F5344CB8AC3E}">
+        <p14:creationId xmlns:p14="http://schemas.microsoft.com/office/powerpoint/2010/main" val="592210932"/>
+      </p:ext>
+    </p:extLst>
   </p:cSld>
   <p:clrMapOvr>
     <a:masterClrMapping/>
@@ -7278,6 +7469,11 @@
         </p:txBody>
       </p:sp>
     </p:spTree>
+    <p:extLst>
+      <p:ext uri="{BB962C8B-B14F-4D97-AF65-F5344CB8AC3E}">
+        <p14:creationId xmlns:p14="http://schemas.microsoft.com/office/powerpoint/2010/main" val="116714680"/>
+      </p:ext>
+    </p:extLst>
   </p:cSld>
   <p:clrMapOvr>
     <a:masterClrMapping/>
@@ -7487,33 +7683,7 @@
                 <a:latin typeface="Frutiger Next LT W1G"/>
                 <a:cs typeface="Frutiger Next LT W1G"/>
               </a:rPr>
-              <a:t>© </a:t>
-            </a:r>
-            <a:r>
-              <a:rPr lang="en-US" sz="900" b="0" i="0" dirty="0" smtClean="0">
-                <a:solidFill>
-                  <a:schemeClr val="tx1">
-                    <a:lumMod val="65000"/>
-                    <a:lumOff val="35000"/>
-                  </a:schemeClr>
-                </a:solidFill>
-                <a:latin typeface="Frutiger Next LT W1G"/>
-                <a:cs typeface="Frutiger Next LT W1G"/>
-              </a:rPr>
-              <a:t>2014 </a:t>
-            </a:r>
-            <a:r>
-              <a:rPr lang="en-US" sz="900" b="0" i="0" dirty="0" smtClean="0">
-                <a:solidFill>
-                  <a:schemeClr val="tx1">
-                    <a:lumMod val="65000"/>
-                    <a:lumOff val="35000"/>
-                  </a:schemeClr>
-                </a:solidFill>
-                <a:latin typeface="Frutiger Next LT W1G"/>
-                <a:cs typeface="Frutiger Next LT W1G"/>
-              </a:rPr>
-              <a:t>Autodesk</a:t>
+              <a:t>© 2014 Autodesk</a:t>
             </a:r>
             <a:endParaRPr lang="en-US" sz="900" b="0" i="0" dirty="0">
               <a:solidFill>
@@ -7653,31 +7823,7 @@
                 <a:latin typeface="Frutiger Next LT W1G"/>
                 <a:cs typeface="Frutiger Next LT W1G"/>
               </a:rPr>
-              <a:t>© </a:t>
-            </a:r>
-            <a:r>
-              <a:rPr lang="en-US" sz="1300" b="0" i="0" dirty="0" smtClean="0">
-                <a:solidFill>
-                  <a:schemeClr val="bg1">
-                    <a:lumMod val="65000"/>
-                  </a:schemeClr>
-                </a:solidFill>
-                <a:latin typeface="Frutiger Next LT W1G"/>
-                <a:cs typeface="Frutiger Next LT W1G"/>
-              </a:rPr>
-              <a:t>2014 </a:t>
-            </a:r>
-            <a:r>
-              <a:rPr lang="en-US" sz="1300" b="0" i="0" dirty="0" smtClean="0">
-                <a:solidFill>
-                  <a:schemeClr val="bg1">
-                    <a:lumMod val="65000"/>
-                  </a:schemeClr>
-                </a:solidFill>
-                <a:latin typeface="Frutiger Next LT W1G"/>
-                <a:cs typeface="Frutiger Next LT W1G"/>
-              </a:rPr>
-              <a:t>Autodesk, Inc. All right</a:t>
+              <a:t>© 2014 Autodesk, Inc. All right</a:t>
             </a:r>
             <a:r>
               <a:rPr lang="en-US" sz="1300" b="0" i="0" baseline="0" dirty="0" smtClean="0">
@@ -9677,10 +9823,7 @@
               <a:rPr lang="en-US" dirty="0" err="1" smtClean="0"/>
               <a:t>View.SketchPlane</a:t>
             </a:r>
-            <a:r>
-              <a:rPr lang="en-US" dirty="0" smtClean="0"/>
-              <a:t>()</a:t>
-            </a:r>
+            <a:endParaRPr lang="en-US" dirty="0" smtClean="0"/>
           </a:p>
           <a:p>
             <a:endParaRPr lang="en-US" dirty="0" smtClean="0"/>
@@ -18972,15 +19115,15 @@
               <a:rPr lang="en-US" sz="2000" dirty="0">
                 <a:hlinkClick r:id="rId8"/>
               </a:rPr>
-              <a:t>http://</a:t>
+              <a:t>http://www.autodesk.com/revit-help/?</a:t>
             </a:r>
             <a:r>
               <a:rPr lang="en-US" sz="2000" dirty="0" smtClean="0">
                 <a:hlinkClick r:id="rId8"/>
               </a:rPr>
-              <a:t>wikihelp.autodesk.com/Revit/enu/2014/Help/3665-Developers</a:t>
-            </a:r>
-            <a:endParaRPr lang="en-US" sz="2000" dirty="0"/>
+              <a:t>guid=GUID-F0A122E0-E556-4D0D-9D0F-7E72A9315A42</a:t>
+            </a:r>
+            <a:endParaRPr lang="en-US" sz="2000" dirty="0" smtClean="0"/>
           </a:p>
           <a:p>
             <a:pPr>
@@ -19000,7 +19143,13 @@
               <a:rPr lang="en-GB" sz="2000" noProof="1" smtClean="0">
                 <a:hlinkClick r:id="rId4"/>
               </a:rPr>
-              <a:t>http://</a:t>
+              <a:t>http</a:t>
+            </a:r>
+            <a:r>
+              <a:rPr lang="en-GB" sz="2000" noProof="1" smtClean="0">
+                <a:hlinkClick r:id="rId4"/>
+              </a:rPr>
+              <a:t>://</a:t>
             </a:r>
             <a:r>
               <a:rPr lang="en-GB" sz="2000" noProof="1" smtClean="0">
@@ -21287,6 +21436,15 @@
 </file>
 
 <file path=customXml/item1.xml><?xml version="1.0" encoding="utf-8"?>
+<?mso-contentType ?>
+<FormTemplates xmlns="http://schemas.microsoft.com/sharepoint/v3/contenttype/forms">
+  <Display>DocumentLibraryForm</Display>
+  <Edit>DocumentLibraryForm</Edit>
+  <New>DocumentLibraryForm</New>
+</FormTemplates>
+</file>
+
+<file path=customXml/item2.xml><?xml version="1.0" encoding="utf-8"?>
 <p:properties xmlns:p="http://schemas.microsoft.com/office/2006/metadata/properties" xmlns:xsi="http://www.w3.org/2001/XMLSchema-instance">
   <documentManagement>
     <Image xmlns="f53a3603-67ad-45e2-accf-d44f8756b321">
@@ -21301,7 +21459,7 @@
 </p:properties>
 </file>
 
-<file path=customXml/item2.xml><?xml version="1.0" encoding="utf-8"?>
+<file path=customXml/item3.xml><?xml version="1.0" encoding="utf-8"?>
 <ct:contentTypeSchema xmlns:ct="http://schemas.microsoft.com/office/2006/metadata/contentType" xmlns:ma="http://schemas.microsoft.com/office/2006/metadata/properties/metaAttributes" ct:_="" ma:_="" ma:contentTypeName="Creative Catalog" ma:contentTypeID="0x0101003D62B9A716C08244A68E1D56ED354A9500A7EFD4C2F324CA44B4E995A506E2E1CF" ma:contentTypeVersion="31" ma:contentTypeDescription="" ma:contentTypeScope="" ma:versionID="17bc19fc9bd490bc1bda444d86d6b7f0">
   <xsd:schema xmlns:xsd="http://www.w3.org/2001/XMLSchema" xmlns:p="http://schemas.microsoft.com/office/2006/metadata/properties" xmlns:ns2="c8bab806-ca78-4cad-94f6-48e563f76e95" xmlns:ns4="f53a3603-67ad-45e2-accf-d44f8756b321" targetNamespace="http://schemas.microsoft.com/office/2006/metadata/properties" ma:root="true" ma:fieldsID="284905265c583129f8035dc0f09dfb0f" ns2:_="" ns4:_="">
     <xsd:import namespace="c8bab806-ca78-4cad-94f6-48e563f76e95"/>
@@ -21400,16 +21558,15 @@
 </ct:contentTypeSchema>
 </file>
 
-<file path=customXml/item3.xml><?xml version="1.0" encoding="utf-8"?>
-<?mso-contentType ?>
-<FormTemplates xmlns="http://schemas.microsoft.com/sharepoint/v3/contenttype/forms">
-  <Display>DocumentLibraryForm</Display>
-  <Edit>DocumentLibraryForm</Edit>
-  <New>DocumentLibraryForm</New>
-</FormTemplates>
+<file path=customXml/itemProps1.xml><?xml version="1.0" encoding="utf-8"?>
+<ds:datastoreItem xmlns:ds="http://schemas.openxmlformats.org/officeDocument/2006/customXml" ds:itemID="{1B23F64D-CA4A-4BF5-9636-FF31814D07BC}">
+  <ds:schemaRefs>
+    <ds:schemaRef ds:uri="http://schemas.microsoft.com/sharepoint/v3/contenttype/forms"/>
+  </ds:schemaRefs>
+</ds:datastoreItem>
 </file>
 
-<file path=customXml/itemProps1.xml><?xml version="1.0" encoding="utf-8"?>
+<file path=customXml/itemProps2.xml><?xml version="1.0" encoding="utf-8"?>
 <ds:datastoreItem xmlns:ds="http://schemas.openxmlformats.org/officeDocument/2006/customXml" ds:itemID="{6307AE55-A139-4AD7-ACEE-00E455099D23}">
   <ds:schemaRefs>
     <ds:schemaRef ds:uri="http://schemas.microsoft.com/office/2006/metadata/properties"/>
@@ -21419,7 +21576,7 @@
 </ds:datastoreItem>
 </file>
 
-<file path=customXml/itemProps2.xml><?xml version="1.0" encoding="utf-8"?>
+<file path=customXml/itemProps3.xml><?xml version="1.0" encoding="utf-8"?>
 <ds:datastoreItem xmlns:ds="http://schemas.openxmlformats.org/officeDocument/2006/customXml" ds:itemID="{A9644739-F05B-4EE2-A361-57034C614130}">
   <ds:schemaRefs>
     <ds:schemaRef ds:uri="http://schemas.microsoft.com/office/2006/metadata/contentType"/>
@@ -21435,12 +21592,4 @@
     <ds:schemaRef ds:uri="http://schemas.microsoft.com/office/internal/2005/internalDocumentation"/>
   </ds:schemaRefs>
 </ds:datastoreItem>
-</file>
-
-<file path=customXml/itemProps3.xml><?xml version="1.0" encoding="utf-8"?>
-<ds:datastoreItem xmlns:ds="http://schemas.openxmlformats.org/officeDocument/2006/customXml" ds:itemID="{1B23F64D-CA4A-4BF5-9636-FF31814D07BC}">
-  <ds:schemaRefs>
-    <ds:schemaRef ds:uri="http://schemas.microsoft.com/sharepoint/v3/contenttype/forms"/>
-  </ds:schemaRefs>
-</ds:datastoreItem>
 </file>
--- a/Presentation/2_Revit_UI_API.pptx
+++ b/Presentation/2_Revit_UI_API.pptx
@@ -207,7 +207,7 @@
 
 <file path=ppt/commentAuthors.xml><?xml version="1.0" encoding="utf-8"?>
 <p:cmAuthorLst xmlns:a="http://schemas.openxmlformats.org/drawingml/2006/main" xmlns:r="http://schemas.openxmlformats.org/officeDocument/2006/relationships" xmlns:p="http://schemas.openxmlformats.org/presentationml/2006/main">
-  <p:cmAuthor id="1" name="Author" initials="A" lastIdx="3" clrIdx="1"/>
+  <p:cmAuthor id="2" name="作成者" initials="A" lastIdx="0" clrIdx="2"/>
 </p:cmAuthorLst>
 </file>
 
@@ -322,7 +322,7 @@
               <a:pPr>
                 <a:defRPr/>
               </a:pPr>
-              <a:t>3/10/2015</a:t>
+              <a:t>7/14/2016</a:t>
             </a:fld>
             <a:endParaRPr lang="en-US"/>
           </a:p>
@@ -545,7 +545,7 @@
               <a:pPr>
                 <a:defRPr/>
               </a:pPr>
-              <a:t>3/10/2015</a:t>
+              <a:t>7/14/2016</a:t>
             </a:fld>
             <a:endParaRPr lang="en-US"/>
           </a:p>
@@ -18966,14 +18966,22 @@
               <a:defRPr/>
             </a:pPr>
             <a:r>
+              <a:rPr lang="en-GB" sz="2000" noProof="1">
+                <a:hlinkClick r:id="rId4"/>
+              </a:rPr>
+              <a:t>http</a:t>
+            </a:r>
+            <a:r>
+              <a:rPr lang="en-GB" sz="2000" noProof="1">
+                <a:hlinkClick r:id="rId4"/>
+              </a:rPr>
+              <a:t>://</a:t>
+            </a:r>
+            <a:r>
               <a:rPr lang="en-GB" sz="2000" noProof="1" smtClean="0">
                 <a:hlinkClick r:id="rId4"/>
               </a:rPr>
-              <a:t>http://discussion.autodesk.com</a:t>
-            </a:r>
-            <a:r>
-              <a:rPr lang="en-US" sz="2000" noProof="1" smtClean="0"/>
-              <a:t> &gt; Revit Architecture &gt; Revit API</a:t>
+              <a:t>forums.autodesk.com/t5/revit-api/bd-p/160</a:t>
             </a:r>
             <a:endParaRPr lang="en-GB" sz="2000" dirty="0" smtClean="0"/>
           </a:p>
@@ -18993,13 +19001,19 @@
             </a:pPr>
             <a:r>
               <a:rPr lang="en-GB" sz="2000" noProof="1" smtClean="0">
-                <a:hlinkClick r:id="rId4"/>
-              </a:rPr>
-              <a:t>http://</a:t>
+                <a:hlinkClick r:id="rId5"/>
+              </a:rPr>
+              <a:t>http</a:t>
             </a:r>
             <a:r>
               <a:rPr lang="en-GB" sz="2000" noProof="1" smtClean="0">
                 <a:hlinkClick r:id="rId5"/>
+              </a:rPr>
+              <a:t>://</a:t>
+            </a:r>
+            <a:r>
+              <a:rPr lang="en-GB" sz="2000" noProof="1" smtClean="0">
+                <a:hlinkClick r:id="rId6"/>
               </a:rPr>
               <a:t>www.autodesk.com/apitraining</a:t>
             </a:r>
@@ -19042,7 +19056,7 @@
             </a:pPr>
             <a:r>
               <a:rPr lang="en-GB" sz="2000" noProof="1" smtClean="0">
-                <a:hlinkClick r:id="rId6"/>
+                <a:hlinkClick r:id="rId7"/>
               </a:rPr>
               <a:t>http://thebuildingcoder.typepad.com</a:t>
             </a:r>
@@ -19073,19 +19087,19 @@
             </a:pPr>
             <a:r>
               <a:rPr lang="en-US" sz="2000" dirty="0" smtClean="0">
-                <a:hlinkClick r:id="rId7"/>
+                <a:hlinkClick r:id="rId8"/>
               </a:rPr>
               <a:t>http</a:t>
             </a:r>
             <a:r>
               <a:rPr lang="en-US" sz="2000" dirty="0">
-                <a:hlinkClick r:id="rId7"/>
+                <a:hlinkClick r:id="rId8"/>
               </a:rPr>
               <a:t>://</a:t>
             </a:r>
             <a:r>
               <a:rPr lang="en-US" sz="2000" dirty="0" smtClean="0">
-                <a:hlinkClick r:id="rId7"/>
+                <a:hlinkClick r:id="rId8"/>
               </a:rPr>
               <a:t>adndevblog.typepad.com/aec/</a:t>
             </a:r>
@@ -19113,13 +19127,13 @@
             </a:pPr>
             <a:r>
               <a:rPr lang="en-US" sz="2000" dirty="0">
-                <a:hlinkClick r:id="rId8"/>
+                <a:hlinkClick r:id="rId9"/>
               </a:rPr>
               <a:t>http://www.autodesk.com/revit-help/?</a:t>
             </a:r>
             <a:r>
               <a:rPr lang="en-US" sz="2000" dirty="0" smtClean="0">
-                <a:hlinkClick r:id="rId8"/>
+                <a:hlinkClick r:id="rId9"/>
               </a:rPr>
               <a:t>guid=GUID-F0A122E0-E556-4D0D-9D0F-7E72A9315A42</a:t>
             </a:r>
@@ -19141,25 +19155,19 @@
             </a:pPr>
             <a:r>
               <a:rPr lang="en-GB" sz="2000" noProof="1" smtClean="0">
-                <a:hlinkClick r:id="rId4"/>
-              </a:rPr>
-              <a:t>http</a:t>
+                <a:hlinkClick r:id="rId5"/>
+              </a:rPr>
+              <a:t>http://</a:t>
             </a:r>
             <a:r>
               <a:rPr lang="en-GB" sz="2000" noProof="1" smtClean="0">
-                <a:hlinkClick r:id="rId4"/>
-              </a:rPr>
-              <a:t>://</a:t>
-            </a:r>
-            <a:r>
-              <a:rPr lang="en-GB" sz="2000" noProof="1" smtClean="0">
-                <a:hlinkClick r:id="rId9"/>
+                <a:hlinkClick r:id="rId10"/>
               </a:rPr>
               <a:t>www.autodesk.com/</a:t>
             </a:r>
             <a:r>
               <a:rPr lang="en-US" sz="2000" dirty="0" err="1" smtClean="0">
-                <a:hlinkClick r:id="rId9"/>
+                <a:hlinkClick r:id="rId10"/>
               </a:rPr>
               <a:t>joinadn</a:t>
             </a:r>
@@ -19190,7 +19198,7 @@
             </a:pPr>
             <a:r>
               <a:rPr lang="en-GB" sz="2000" noProof="1" smtClean="0">
-                <a:hlinkClick r:id="rId10"/>
+                <a:hlinkClick r:id="rId11"/>
               </a:rPr>
               <a:t>http://adn.autodesk.com</a:t>
             </a:r>
@@ -21436,30 +21444,6 @@
 </file>
 
 <file path=customXml/item1.xml><?xml version="1.0" encoding="utf-8"?>
-<?mso-contentType ?>
-<FormTemplates xmlns="http://schemas.microsoft.com/sharepoint/v3/contenttype/forms">
-  <Display>DocumentLibraryForm</Display>
-  <Edit>DocumentLibraryForm</Edit>
-  <New>DocumentLibraryForm</New>
-</FormTemplates>
-</file>
-
-<file path=customXml/item2.xml><?xml version="1.0" encoding="utf-8"?>
-<p:properties xmlns:p="http://schemas.microsoft.com/office/2006/metadata/properties" xmlns:xsi="http://www.w3.org/2001/XMLSchema-instance">
-  <documentManagement>
-    <Image xmlns="f53a3603-67ad-45e2-accf-d44f8756b321">
-      <Url>https://share.autodesk.com/Marketing/catalog/PublishingImages/09_25_08_AEC_Title_01.jpg</Url>
-      <Description xsi:nil="true"/>
-    </Image>
-    <Date_x0020_Published xmlns="c8bab806-ca78-4cad-94f6-48e563f76e95">2009-05-14T07:00:00+00:00</Date_x0020_Published>
-    <Media_x0020_Description xmlns="c8bab806-ca78-4cad-94f6-48e563f76e95">AEC Industry Title Slide -- General Overview Version</Media_x0020_Description>
-    <Category xmlns="f53a3603-67ad-45e2-accf-d44f8756b321" xsi:nil="true"/>
-    <Business_x0020_and_x0020_Industry xmlns="f53a3603-67ad-45e2-accf-d44f8756b321">Industry PowerPoint Title Slides</Business_x0020_and_x0020_Industry>
-  </documentManagement>
-</p:properties>
-</file>
-
-<file path=customXml/item3.xml><?xml version="1.0" encoding="utf-8"?>
 <ct:contentTypeSchema xmlns:ct="http://schemas.microsoft.com/office/2006/metadata/contentType" xmlns:ma="http://schemas.microsoft.com/office/2006/metadata/properties/metaAttributes" ct:_="" ma:_="" ma:contentTypeName="Creative Catalog" ma:contentTypeID="0x0101003D62B9A716C08244A68E1D56ED354A9500A7EFD4C2F324CA44B4E995A506E2E1CF" ma:contentTypeVersion="31" ma:contentTypeDescription="" ma:contentTypeScope="" ma:versionID="17bc19fc9bd490bc1bda444d86d6b7f0">
   <xsd:schema xmlns:xsd="http://www.w3.org/2001/XMLSchema" xmlns:p="http://schemas.microsoft.com/office/2006/metadata/properties" xmlns:ns2="c8bab806-ca78-4cad-94f6-48e563f76e95" xmlns:ns4="f53a3603-67ad-45e2-accf-d44f8756b321" targetNamespace="http://schemas.microsoft.com/office/2006/metadata/properties" ma:root="true" ma:fieldsID="284905265c583129f8035dc0f09dfb0f" ns2:_="" ns4:_="">
     <xsd:import namespace="c8bab806-ca78-4cad-94f6-48e563f76e95"/>
@@ -21558,10 +21542,44 @@
 </ct:contentTypeSchema>
 </file>
 
+<file path=customXml/item2.xml><?xml version="1.0" encoding="utf-8"?>
+<p:properties xmlns:p="http://schemas.microsoft.com/office/2006/metadata/properties" xmlns:xsi="http://www.w3.org/2001/XMLSchema-instance">
+  <documentManagement>
+    <Image xmlns="f53a3603-67ad-45e2-accf-d44f8756b321">
+      <Url>https://share.autodesk.com/Marketing/catalog/PublishingImages/09_25_08_AEC_Title_01.jpg</Url>
+      <Description xsi:nil="true"/>
+    </Image>
+    <Date_x0020_Published xmlns="c8bab806-ca78-4cad-94f6-48e563f76e95">2009-05-14T07:00:00+00:00</Date_x0020_Published>
+    <Media_x0020_Description xmlns="c8bab806-ca78-4cad-94f6-48e563f76e95">AEC Industry Title Slide -- General Overview Version</Media_x0020_Description>
+    <Category xmlns="f53a3603-67ad-45e2-accf-d44f8756b321" xsi:nil="true"/>
+    <Business_x0020_and_x0020_Industry xmlns="f53a3603-67ad-45e2-accf-d44f8756b321">Industry PowerPoint Title Slides</Business_x0020_and_x0020_Industry>
+  </documentManagement>
+</p:properties>
+</file>
+
+<file path=customXml/item3.xml><?xml version="1.0" encoding="utf-8"?>
+<?mso-contentType ?>
+<FormTemplates xmlns="http://schemas.microsoft.com/sharepoint/v3/contenttype/forms">
+  <Display>DocumentLibraryForm</Display>
+  <Edit>DocumentLibraryForm</Edit>
+  <New>DocumentLibraryForm</New>
+</FormTemplates>
+</file>
+
 <file path=customXml/itemProps1.xml><?xml version="1.0" encoding="utf-8"?>
-<ds:datastoreItem xmlns:ds="http://schemas.openxmlformats.org/officeDocument/2006/customXml" ds:itemID="{1B23F64D-CA4A-4BF5-9636-FF31814D07BC}">
+<ds:datastoreItem xmlns:ds="http://schemas.openxmlformats.org/officeDocument/2006/customXml" ds:itemID="{A9644739-F05B-4EE2-A361-57034C614130}">
   <ds:schemaRefs>
-    <ds:schemaRef ds:uri="http://schemas.microsoft.com/sharepoint/v3/contenttype/forms"/>
+    <ds:schemaRef ds:uri="http://schemas.microsoft.com/office/2006/metadata/contentType"/>
+    <ds:schemaRef ds:uri="http://schemas.microsoft.com/office/2006/metadata/properties/metaAttributes"/>
+    <ds:schemaRef ds:uri="http://www.w3.org/2001/XMLSchema"/>
+    <ds:schemaRef ds:uri="http://schemas.microsoft.com/office/2006/metadata/properties"/>
+    <ds:schemaRef ds:uri="c8bab806-ca78-4cad-94f6-48e563f76e95"/>
+    <ds:schemaRef ds:uri="f53a3603-67ad-45e2-accf-d44f8756b321"/>
+    <ds:schemaRef ds:uri="http://schemas.microsoft.com/office/2006/documentManagement/types"/>
+    <ds:schemaRef ds:uri="http://schemas.openxmlformats.org/package/2006/metadata/core-properties"/>
+    <ds:schemaRef ds:uri="http://purl.org/dc/elements/1.1/"/>
+    <ds:schemaRef ds:uri="http://purl.org/dc/terms/"/>
+    <ds:schemaRef ds:uri="http://schemas.microsoft.com/office/internal/2005/internalDocumentation"/>
   </ds:schemaRefs>
 </ds:datastoreItem>
 </file>
@@ -21577,19 +21595,9 @@
 </file>
 
 <file path=customXml/itemProps3.xml><?xml version="1.0" encoding="utf-8"?>
-<ds:datastoreItem xmlns:ds="http://schemas.openxmlformats.org/officeDocument/2006/customXml" ds:itemID="{A9644739-F05B-4EE2-A361-57034C614130}">
+<ds:datastoreItem xmlns:ds="http://schemas.openxmlformats.org/officeDocument/2006/customXml" ds:itemID="{1B23F64D-CA4A-4BF5-9636-FF31814D07BC}">
   <ds:schemaRefs>
-    <ds:schemaRef ds:uri="http://schemas.microsoft.com/office/2006/metadata/contentType"/>
-    <ds:schemaRef ds:uri="http://schemas.microsoft.com/office/2006/metadata/properties/metaAttributes"/>
-    <ds:schemaRef ds:uri="http://www.w3.org/2001/XMLSchema"/>
-    <ds:schemaRef ds:uri="http://schemas.microsoft.com/office/2006/metadata/properties"/>
-    <ds:schemaRef ds:uri="c8bab806-ca78-4cad-94f6-48e563f76e95"/>
-    <ds:schemaRef ds:uri="f53a3603-67ad-45e2-accf-d44f8756b321"/>
-    <ds:schemaRef ds:uri="http://schemas.microsoft.com/office/2006/documentManagement/types"/>
-    <ds:schemaRef ds:uri="http://schemas.openxmlformats.org/package/2006/metadata/core-properties"/>
-    <ds:schemaRef ds:uri="http://purl.org/dc/elements/1.1/"/>
-    <ds:schemaRef ds:uri="http://purl.org/dc/terms/"/>
-    <ds:schemaRef ds:uri="http://schemas.microsoft.com/office/internal/2005/internalDocumentation"/>
+    <ds:schemaRef ds:uri="http://schemas.microsoft.com/sharepoint/v3/contenttype/forms"/>
   </ds:schemaRefs>
 </ds:datastoreItem>
 </file>